--- a/PySpark/6_window functions/2_GroupBy and Aggregation/120_Get Maximum and Maximum Value From Column/template.pptx
+++ b/PySpark/6_window functions/2_GroupBy and Aggregation/120_Get Maximum and Maximum Value From Column/template.pptx
@@ -1,19 +1,207 @@
 
 <file path=ppt/presentation.xml><?xml version="1.0" encoding="utf-8"?>
-<p:presentation xmlns:a="http://schemas.openxmlformats.org/drawingml/2006/main" xmlns:p="http://schemas.openxmlformats.org/presentationml/2006/main" xmlns:r="http://schemas.openxmlformats.org/officeDocument/2006/relationships" xmlns:p14="http://schemas.microsoft.com/office/powerpoint/2010/main" xmlns:p15="http://schemas.microsoft.com/office/powerpoint/2012/main" xmlns:mc="http://schemas.openxmlformats.org/markup-compatibility/2006">
+<p:presentation xmlns:a="http://schemas.openxmlformats.org/drawingml/2006/main" xmlns:r="http://schemas.openxmlformats.org/officeDocument/2006/relationships" xmlns:p="http://schemas.openxmlformats.org/presentationml/2006/main">
   <p:sldMasterIdLst>
-    <p:sldMasterId id="2147483648" r:id="rId2"/>
+    <p:sldMasterId id="2147483648" r:id="rId1"/>
   </p:sldMasterIdLst>
   <p:sldIdLst>
-    <p:sldId id="256" r:id="rId3"/>
+    <p:sldId id="256" r:id="rId2"/>
   </p:sldIdLst>
   <p:sldSz cx="12192000" cy="6858000"/>
   <p:notesSz cx="7772400" cy="10058400"/>
+  <p:defaultTextStyle>
+    <a:defPPr>
+      <a:defRPr lang="en-US"/>
+    </a:defPPr>
+    <a:lvl1pPr marL="0" algn="l" defTabSz="914400" rtl="0" eaLnBrk="1" latinLnBrk="0" hangingPunct="1">
+      <a:defRPr sz="1800" kern="1200">
+        <a:solidFill>
+          <a:schemeClr val="tx1"/>
+        </a:solidFill>
+        <a:latin typeface="+mn-lt"/>
+        <a:ea typeface="+mn-ea"/>
+        <a:cs typeface="+mn-cs"/>
+      </a:defRPr>
+    </a:lvl1pPr>
+    <a:lvl2pPr marL="457200" algn="l" defTabSz="914400" rtl="0" eaLnBrk="1" latinLnBrk="0" hangingPunct="1">
+      <a:defRPr sz="1800" kern="1200">
+        <a:solidFill>
+          <a:schemeClr val="tx1"/>
+        </a:solidFill>
+        <a:latin typeface="+mn-lt"/>
+        <a:ea typeface="+mn-ea"/>
+        <a:cs typeface="+mn-cs"/>
+      </a:defRPr>
+    </a:lvl2pPr>
+    <a:lvl3pPr marL="914400" algn="l" defTabSz="914400" rtl="0" eaLnBrk="1" latinLnBrk="0" hangingPunct="1">
+      <a:defRPr sz="1800" kern="1200">
+        <a:solidFill>
+          <a:schemeClr val="tx1"/>
+        </a:solidFill>
+        <a:latin typeface="+mn-lt"/>
+        <a:ea typeface="+mn-ea"/>
+        <a:cs typeface="+mn-cs"/>
+      </a:defRPr>
+    </a:lvl3pPr>
+    <a:lvl4pPr marL="1371600" algn="l" defTabSz="914400" rtl="0" eaLnBrk="1" latinLnBrk="0" hangingPunct="1">
+      <a:defRPr sz="1800" kern="1200">
+        <a:solidFill>
+          <a:schemeClr val="tx1"/>
+        </a:solidFill>
+        <a:latin typeface="+mn-lt"/>
+        <a:ea typeface="+mn-ea"/>
+        <a:cs typeface="+mn-cs"/>
+      </a:defRPr>
+    </a:lvl4pPr>
+    <a:lvl5pPr marL="1828800" algn="l" defTabSz="914400" rtl="0" eaLnBrk="1" latinLnBrk="0" hangingPunct="1">
+      <a:defRPr sz="1800" kern="1200">
+        <a:solidFill>
+          <a:schemeClr val="tx1"/>
+        </a:solidFill>
+        <a:latin typeface="+mn-lt"/>
+        <a:ea typeface="+mn-ea"/>
+        <a:cs typeface="+mn-cs"/>
+      </a:defRPr>
+    </a:lvl5pPr>
+    <a:lvl6pPr marL="2286000" algn="l" defTabSz="914400" rtl="0" eaLnBrk="1" latinLnBrk="0" hangingPunct="1">
+      <a:defRPr sz="1800" kern="1200">
+        <a:solidFill>
+          <a:schemeClr val="tx1"/>
+        </a:solidFill>
+        <a:latin typeface="+mn-lt"/>
+        <a:ea typeface="+mn-ea"/>
+        <a:cs typeface="+mn-cs"/>
+      </a:defRPr>
+    </a:lvl6pPr>
+    <a:lvl7pPr marL="2743200" algn="l" defTabSz="914400" rtl="0" eaLnBrk="1" latinLnBrk="0" hangingPunct="1">
+      <a:defRPr sz="1800" kern="1200">
+        <a:solidFill>
+          <a:schemeClr val="tx1"/>
+        </a:solidFill>
+        <a:latin typeface="+mn-lt"/>
+        <a:ea typeface="+mn-ea"/>
+        <a:cs typeface="+mn-cs"/>
+      </a:defRPr>
+    </a:lvl7pPr>
+    <a:lvl8pPr marL="3200400" algn="l" defTabSz="914400" rtl="0" eaLnBrk="1" latinLnBrk="0" hangingPunct="1">
+      <a:defRPr sz="1800" kern="1200">
+        <a:solidFill>
+          <a:schemeClr val="tx1"/>
+        </a:solidFill>
+        <a:latin typeface="+mn-lt"/>
+        <a:ea typeface="+mn-ea"/>
+        <a:cs typeface="+mn-cs"/>
+      </a:defRPr>
+    </a:lvl8pPr>
+    <a:lvl9pPr marL="3657600" algn="l" defTabSz="914400" rtl="0" eaLnBrk="1" latinLnBrk="0" hangingPunct="1">
+      <a:defRPr sz="1800" kern="1200">
+        <a:solidFill>
+          <a:schemeClr val="tx1"/>
+        </a:solidFill>
+        <a:latin typeface="+mn-lt"/>
+        <a:ea typeface="+mn-ea"/>
+        <a:cs typeface="+mn-cs"/>
+      </a:defRPr>
+    </a:lvl9pPr>
+  </p:defaultTextStyle>
 </p:presentation>
 </file>
 
+<file path=ppt/revisionInfo.xml><?xml version="1.0" encoding="utf-8"?>
+<p1510:revInfo xmlns:a="http://schemas.openxmlformats.org/drawingml/2006/main" xmlns:r="http://schemas.openxmlformats.org/officeDocument/2006/relationships" xmlns:p1510="http://schemas.microsoft.com/office/powerpoint/2015/10/main">
+  <p1510:revLst>
+    <p1510:client id="{FD2DF002-48A2-4D4D-8608-1EA19A28020D}" v="3" dt="2025-08-30T07:19:37.247"/>
+  </p1510:revLst>
+</p1510:revInfo>
+</file>
+
+<file path=ppt/changesInfos/changesInfo1.xml><?xml version="1.0" encoding="utf-8"?>
+<pc:chgInfo xmlns:a="http://schemas.openxmlformats.org/drawingml/2006/main" xmlns:r="http://schemas.openxmlformats.org/officeDocument/2006/relationships" xmlns:ac="http://schemas.microsoft.com/office/drawing/2013/main/command" xmlns:pc="http://schemas.microsoft.com/office/powerpoint/2013/main/command">
+  <pc:docChgLst>
+    <pc:chgData name="A Suresh" userId="04a47b5c-286d-4451-a903-e2334e9230bd" providerId="ADAL" clId="{FD2DF002-48A2-4D4D-8608-1EA19A28020D}"/>
+    <pc:docChg chg="custSel modSld">
+      <pc:chgData name="A Suresh" userId="04a47b5c-286d-4451-a903-e2334e9230bd" providerId="ADAL" clId="{FD2DF002-48A2-4D4D-8608-1EA19A28020D}" dt="2025-08-30T07:22:08.413" v="206" actId="6549"/>
+      <pc:docMkLst>
+        <pc:docMk/>
+      </pc:docMkLst>
+      <pc:sldChg chg="addSp modSp mod">
+        <pc:chgData name="A Suresh" userId="04a47b5c-286d-4451-a903-e2334e9230bd" providerId="ADAL" clId="{FD2DF002-48A2-4D4D-8608-1EA19A28020D}" dt="2025-08-30T07:22:08.413" v="206" actId="6549"/>
+        <pc:sldMkLst>
+          <pc:docMk/>
+          <pc:sldMk cId="0" sldId="256"/>
+        </pc:sldMkLst>
+        <pc:spChg chg="add mod">
+          <ac:chgData name="A Suresh" userId="04a47b5c-286d-4451-a903-e2334e9230bd" providerId="ADAL" clId="{FD2DF002-48A2-4D4D-8608-1EA19A28020D}" dt="2025-08-30T07:21:49.515" v="184" actId="1038"/>
+          <ac:spMkLst>
+            <pc:docMk/>
+            <pc:sldMk cId="0" sldId="256"/>
+            <ac:spMk id="8" creationId="{06682BAE-9BD1-D2A4-A10A-481A1F56144F}"/>
+          </ac:spMkLst>
+        </pc:spChg>
+        <pc:spChg chg="add mod">
+          <ac:chgData name="A Suresh" userId="04a47b5c-286d-4451-a903-e2334e9230bd" providerId="ADAL" clId="{FD2DF002-48A2-4D4D-8608-1EA19A28020D}" dt="2025-08-30T07:22:08.413" v="206" actId="6549"/>
+          <ac:spMkLst>
+            <pc:docMk/>
+            <pc:sldMk cId="0" sldId="256"/>
+            <ac:spMk id="9" creationId="{B923ABCE-B8AA-C1CE-D31E-6C10EC56EF4B}"/>
+          </ac:spMkLst>
+        </pc:spChg>
+        <pc:spChg chg="mod">
+          <ac:chgData name="A Suresh" userId="04a47b5c-286d-4451-a903-e2334e9230bd" providerId="ADAL" clId="{FD2DF002-48A2-4D4D-8608-1EA19A28020D}" dt="2025-08-30T07:21:56.973" v="202" actId="1036"/>
+          <ac:spMkLst>
+            <pc:docMk/>
+            <pc:sldMk cId="0" sldId="256"/>
+            <ac:spMk id="38" creationId="{00000000-0000-0000-0000-000000000000}"/>
+          </ac:spMkLst>
+        </pc:spChg>
+        <pc:picChg chg="add mod">
+          <ac:chgData name="A Suresh" userId="04a47b5c-286d-4451-a903-e2334e9230bd" providerId="ADAL" clId="{FD2DF002-48A2-4D4D-8608-1EA19A28020D}" dt="2025-08-30T07:21:49.515" v="184" actId="1038"/>
+          <ac:picMkLst>
+            <pc:docMk/>
+            <pc:sldMk cId="0" sldId="256"/>
+            <ac:picMk id="3" creationId="{9026FFCA-9DAC-7CC5-9703-069F83DFA3D8}"/>
+          </ac:picMkLst>
+        </pc:picChg>
+        <pc:picChg chg="add mod">
+          <ac:chgData name="A Suresh" userId="04a47b5c-286d-4451-a903-e2334e9230bd" providerId="ADAL" clId="{FD2DF002-48A2-4D4D-8608-1EA19A28020D}" dt="2025-08-30T07:21:49.515" v="184" actId="1038"/>
+          <ac:picMkLst>
+            <pc:docMk/>
+            <pc:sldMk cId="0" sldId="256"/>
+            <ac:picMk id="5" creationId="{B9BA9100-930F-B7F8-3551-910661F7FE29}"/>
+          </ac:picMkLst>
+        </pc:picChg>
+        <pc:picChg chg="add mod modCrop">
+          <ac:chgData name="A Suresh" userId="04a47b5c-286d-4451-a903-e2334e9230bd" providerId="ADAL" clId="{FD2DF002-48A2-4D4D-8608-1EA19A28020D}" dt="2025-08-30T07:13:54.565" v="69" actId="692"/>
+          <ac:picMkLst>
+            <pc:docMk/>
+            <pc:sldMk cId="0" sldId="256"/>
+            <ac:picMk id="7" creationId="{EE927D9C-BFF7-55B9-0138-81D56DA3D019}"/>
+          </ac:picMkLst>
+        </pc:picChg>
+        <pc:picChg chg="mod">
+          <ac:chgData name="A Suresh" userId="04a47b5c-286d-4451-a903-e2334e9230bd" providerId="ADAL" clId="{FD2DF002-48A2-4D4D-8608-1EA19A28020D}" dt="2025-08-30T07:09:20.016" v="9" actId="14100"/>
+          <ac:picMkLst>
+            <pc:docMk/>
+            <pc:sldMk cId="0" sldId="256"/>
+            <ac:picMk id="39" creationId="{00000000-0000-0000-0000-000000000000}"/>
+          </ac:picMkLst>
+        </pc:picChg>
+        <pc:picChg chg="mod">
+          <ac:chgData name="A Suresh" userId="04a47b5c-286d-4451-a903-e2334e9230bd" providerId="ADAL" clId="{FD2DF002-48A2-4D4D-8608-1EA19A28020D}" dt="2025-08-30T07:09:25.598" v="10" actId="1076"/>
+          <ac:picMkLst>
+            <pc:docMk/>
+            <pc:sldMk cId="0" sldId="256"/>
+            <ac:picMk id="40" creationId="{00000000-0000-0000-0000-000000000000}"/>
+          </ac:picMkLst>
+        </pc:picChg>
+      </pc:sldChg>
+    </pc:docChg>
+  </pc:docChgLst>
+</pc:chgInfo>
+</file>
+
 <file path=ppt/slideLayouts/slideLayout1.xml><?xml version="1.0" encoding="utf-8"?>
-<p:sldLayout xmlns:a="http://schemas.openxmlformats.org/drawingml/2006/main" xmlns:p="http://schemas.openxmlformats.org/presentationml/2006/main" xmlns:r="http://schemas.openxmlformats.org/officeDocument/2006/relationships" xmlns:p14="http://schemas.microsoft.com/office/powerpoint/2010/main" xmlns:p15="http://schemas.microsoft.com/office/powerpoint/2012/main" xmlns:mc="http://schemas.openxmlformats.org/markup-compatibility/2006" type="blank" preserve="1">
+<p:sldLayout xmlns:a="http://schemas.openxmlformats.org/drawingml/2006/main" xmlns:r="http://schemas.openxmlformats.org/officeDocument/2006/relationships" xmlns:p="http://schemas.openxmlformats.org/presentationml/2006/main" type="blank" preserve="1">
   <p:cSld name="Blank Slide">
     <p:spTree>
       <p:nvGrpSpPr>
@@ -31,11 +219,14 @@
       </p:grpSpPr>
     </p:spTree>
   </p:cSld>
+  <p:clrMapOvr>
+    <a:masterClrMapping/>
+  </p:clrMapOvr>
 </p:sldLayout>
 </file>
 
 <file path=ppt/slideLayouts/slideLayout10.xml><?xml version="1.0" encoding="utf-8"?>
-<p:sldLayout xmlns:a="http://schemas.openxmlformats.org/drawingml/2006/main" xmlns:p="http://schemas.openxmlformats.org/presentationml/2006/main" xmlns:r="http://schemas.openxmlformats.org/officeDocument/2006/relationships" xmlns:p14="http://schemas.microsoft.com/office/powerpoint/2010/main" xmlns:p15="http://schemas.microsoft.com/office/powerpoint/2012/main" xmlns:mc="http://schemas.openxmlformats.org/markup-compatibility/2006" type="objOverTx" preserve="1">
+<p:sldLayout xmlns:a="http://schemas.openxmlformats.org/drawingml/2006/main" xmlns:r="http://schemas.openxmlformats.org/officeDocument/2006/relationships" xmlns:p="http://schemas.openxmlformats.org/presentationml/2006/main" type="objOverTx" preserve="1">
   <p:cSld name="Title, Content over Content">
     <p:spTree>
       <p:nvGrpSpPr>
@@ -71,12 +262,13 @@
           </a:prstGeom>
         </p:spPr>
         <p:txBody>
-          <a:bodyPr lIns="0" rIns="0" tIns="0" bIns="0" anchor="ctr">
+          <a:bodyPr lIns="0" tIns="0" rIns="0" bIns="0" anchor="ctr">
             <a:noAutofit/>
           </a:bodyPr>
+          <a:lstStyle/>
           <a:p>
             <a:pPr algn="ctr"/>
-            <a:endParaRPr b="0" lang="en-US" sz="4400" spc="-1" strike="noStrike">
+            <a:endParaRPr lang="en-US" sz="4400" b="0" strike="noStrike" spc="-1">
               <a:latin typeface="Arial"/>
             </a:endParaRPr>
           </a:p>
@@ -102,11 +294,12 @@
           </a:prstGeom>
         </p:spPr>
         <p:txBody>
-          <a:bodyPr lIns="0" rIns="0" tIns="0" bIns="0">
+          <a:bodyPr lIns="0" tIns="0" rIns="0" bIns="0">
             <a:normAutofit/>
           </a:bodyPr>
-          <a:p>
-            <a:endParaRPr b="0" lang="en-US" sz="3200" spc="-1" strike="noStrike">
+          <a:lstStyle/>
+          <a:p>
+            <a:endParaRPr lang="en-US" sz="3200" b="0" strike="noStrike" spc="-1">
               <a:latin typeface="Arial"/>
             </a:endParaRPr>
           </a:p>
@@ -132,11 +325,12 @@
           </a:prstGeom>
         </p:spPr>
         <p:txBody>
-          <a:bodyPr lIns="0" rIns="0" tIns="0" bIns="0">
+          <a:bodyPr lIns="0" tIns="0" rIns="0" bIns="0">
             <a:normAutofit/>
           </a:bodyPr>
-          <a:p>
-            <a:endParaRPr b="0" lang="en-US" sz="3200" spc="-1" strike="noStrike">
+          <a:lstStyle/>
+          <a:p>
+            <a:endParaRPr lang="en-US" sz="3200" b="0" strike="noStrike" spc="-1">
               <a:latin typeface="Arial"/>
             </a:endParaRPr>
           </a:p>
@@ -144,11 +338,14 @@
       </p:sp>
     </p:spTree>
   </p:cSld>
+  <p:clrMapOvr>
+    <a:masterClrMapping/>
+  </p:clrMapOvr>
 </p:sldLayout>
 </file>
 
 <file path=ppt/slideLayouts/slideLayout11.xml><?xml version="1.0" encoding="utf-8"?>
-<p:sldLayout xmlns:a="http://schemas.openxmlformats.org/drawingml/2006/main" xmlns:p="http://schemas.openxmlformats.org/presentationml/2006/main" xmlns:r="http://schemas.openxmlformats.org/officeDocument/2006/relationships" xmlns:p14="http://schemas.microsoft.com/office/powerpoint/2010/main" xmlns:p15="http://schemas.microsoft.com/office/powerpoint/2012/main" xmlns:mc="http://schemas.openxmlformats.org/markup-compatibility/2006" type="fourObj" preserve="1">
+<p:sldLayout xmlns:a="http://schemas.openxmlformats.org/drawingml/2006/main" xmlns:r="http://schemas.openxmlformats.org/officeDocument/2006/relationships" xmlns:p="http://schemas.openxmlformats.org/presentationml/2006/main" type="fourObj" preserve="1">
   <p:cSld name="Title, 4 Content">
     <p:spTree>
       <p:nvGrpSpPr>
@@ -184,12 +381,13 @@
           </a:prstGeom>
         </p:spPr>
         <p:txBody>
-          <a:bodyPr lIns="0" rIns="0" tIns="0" bIns="0" anchor="ctr">
+          <a:bodyPr lIns="0" tIns="0" rIns="0" bIns="0" anchor="ctr">
             <a:noAutofit/>
           </a:bodyPr>
+          <a:lstStyle/>
           <a:p>
             <a:pPr algn="ctr"/>
-            <a:endParaRPr b="0" lang="en-US" sz="4400" spc="-1" strike="noStrike">
+            <a:endParaRPr lang="en-US" sz="4400" b="0" strike="noStrike" spc="-1">
               <a:latin typeface="Arial"/>
             </a:endParaRPr>
           </a:p>
@@ -215,11 +413,12 @@
           </a:prstGeom>
         </p:spPr>
         <p:txBody>
-          <a:bodyPr lIns="0" rIns="0" tIns="0" bIns="0">
+          <a:bodyPr lIns="0" tIns="0" rIns="0" bIns="0">
             <a:normAutofit/>
           </a:bodyPr>
-          <a:p>
-            <a:endParaRPr b="0" lang="en-US" sz="3200" spc="-1" strike="noStrike">
+          <a:lstStyle/>
+          <a:p>
+            <a:endParaRPr lang="en-US" sz="3200" b="0" strike="noStrike" spc="-1">
               <a:latin typeface="Arial"/>
             </a:endParaRPr>
           </a:p>
@@ -245,11 +444,12 @@
           </a:prstGeom>
         </p:spPr>
         <p:txBody>
-          <a:bodyPr lIns="0" rIns="0" tIns="0" bIns="0">
+          <a:bodyPr lIns="0" tIns="0" rIns="0" bIns="0">
             <a:normAutofit/>
           </a:bodyPr>
-          <a:p>
-            <a:endParaRPr b="0" lang="en-US" sz="3200" spc="-1" strike="noStrike">
+          <a:lstStyle/>
+          <a:p>
+            <a:endParaRPr lang="en-US" sz="3200" b="0" strike="noStrike" spc="-1">
               <a:latin typeface="Arial"/>
             </a:endParaRPr>
           </a:p>
@@ -275,11 +475,12 @@
           </a:prstGeom>
         </p:spPr>
         <p:txBody>
-          <a:bodyPr lIns="0" rIns="0" tIns="0" bIns="0">
+          <a:bodyPr lIns="0" tIns="0" rIns="0" bIns="0">
             <a:normAutofit/>
           </a:bodyPr>
-          <a:p>
-            <a:endParaRPr b="0" lang="en-US" sz="3200" spc="-1" strike="noStrike">
+          <a:lstStyle/>
+          <a:p>
+            <a:endParaRPr lang="en-US" sz="3200" b="0" strike="noStrike" spc="-1">
               <a:latin typeface="Arial"/>
             </a:endParaRPr>
           </a:p>
@@ -305,11 +506,12 @@
           </a:prstGeom>
         </p:spPr>
         <p:txBody>
-          <a:bodyPr lIns="0" rIns="0" tIns="0" bIns="0">
+          <a:bodyPr lIns="0" tIns="0" rIns="0" bIns="0">
             <a:normAutofit/>
           </a:bodyPr>
-          <a:p>
-            <a:endParaRPr b="0" lang="en-US" sz="3200" spc="-1" strike="noStrike">
+          <a:lstStyle/>
+          <a:p>
+            <a:endParaRPr lang="en-US" sz="3200" b="0" strike="noStrike" spc="-1">
               <a:latin typeface="Arial"/>
             </a:endParaRPr>
           </a:p>
@@ -317,11 +519,14 @@
       </p:sp>
     </p:spTree>
   </p:cSld>
+  <p:clrMapOvr>
+    <a:masterClrMapping/>
+  </p:clrMapOvr>
 </p:sldLayout>
 </file>
 
 <file path=ppt/slideLayouts/slideLayout12.xml><?xml version="1.0" encoding="utf-8"?>
-<p:sldLayout xmlns:a="http://schemas.openxmlformats.org/drawingml/2006/main" xmlns:p="http://schemas.openxmlformats.org/presentationml/2006/main" xmlns:r="http://schemas.openxmlformats.org/officeDocument/2006/relationships" xmlns:p14="http://schemas.microsoft.com/office/powerpoint/2010/main" xmlns:p15="http://schemas.microsoft.com/office/powerpoint/2012/main" xmlns:mc="http://schemas.openxmlformats.org/markup-compatibility/2006" type="blank" preserve="1">
+<p:sldLayout xmlns:a="http://schemas.openxmlformats.org/drawingml/2006/main" xmlns:r="http://schemas.openxmlformats.org/officeDocument/2006/relationships" xmlns:p="http://schemas.openxmlformats.org/presentationml/2006/main" type="blank" preserve="1">
   <p:cSld name="Title, 6 Content">
     <p:spTree>
       <p:nvGrpSpPr>
@@ -357,12 +562,13 @@
           </a:prstGeom>
         </p:spPr>
         <p:txBody>
-          <a:bodyPr lIns="0" rIns="0" tIns="0" bIns="0" anchor="ctr">
+          <a:bodyPr lIns="0" tIns="0" rIns="0" bIns="0" anchor="ctr">
             <a:noAutofit/>
           </a:bodyPr>
+          <a:lstStyle/>
           <a:p>
             <a:pPr algn="ctr"/>
-            <a:endParaRPr b="0" lang="en-US" sz="4400" spc="-1" strike="noStrike">
+            <a:endParaRPr lang="en-US" sz="4400" b="0" strike="noStrike" spc="-1">
               <a:latin typeface="Arial"/>
             </a:endParaRPr>
           </a:p>
@@ -388,11 +594,12 @@
           </a:prstGeom>
         </p:spPr>
         <p:txBody>
-          <a:bodyPr lIns="0" rIns="0" tIns="0" bIns="0">
+          <a:bodyPr lIns="0" tIns="0" rIns="0" bIns="0">
             <a:normAutofit/>
           </a:bodyPr>
-          <a:p>
-            <a:endParaRPr b="0" lang="en-US" sz="3200" spc="-1" strike="noStrike">
+          <a:lstStyle/>
+          <a:p>
+            <a:endParaRPr lang="en-US" sz="3200" b="0" strike="noStrike" spc="-1">
               <a:latin typeface="Arial"/>
             </a:endParaRPr>
           </a:p>
@@ -418,11 +625,12 @@
           </a:prstGeom>
         </p:spPr>
         <p:txBody>
-          <a:bodyPr lIns="0" rIns="0" tIns="0" bIns="0">
+          <a:bodyPr lIns="0" tIns="0" rIns="0" bIns="0">
             <a:normAutofit/>
           </a:bodyPr>
-          <a:p>
-            <a:endParaRPr b="0" lang="en-US" sz="3200" spc="-1" strike="noStrike">
+          <a:lstStyle/>
+          <a:p>
+            <a:endParaRPr lang="en-US" sz="3200" b="0" strike="noStrike" spc="-1">
               <a:latin typeface="Arial"/>
             </a:endParaRPr>
           </a:p>
@@ -448,11 +656,12 @@
           </a:prstGeom>
         </p:spPr>
         <p:txBody>
-          <a:bodyPr lIns="0" rIns="0" tIns="0" bIns="0">
+          <a:bodyPr lIns="0" tIns="0" rIns="0" bIns="0">
             <a:normAutofit/>
           </a:bodyPr>
-          <a:p>
-            <a:endParaRPr b="0" lang="en-US" sz="3200" spc="-1" strike="noStrike">
+          <a:lstStyle/>
+          <a:p>
+            <a:endParaRPr lang="en-US" sz="3200" b="0" strike="noStrike" spc="-1">
               <a:latin typeface="Arial"/>
             </a:endParaRPr>
           </a:p>
@@ -478,11 +687,12 @@
           </a:prstGeom>
         </p:spPr>
         <p:txBody>
-          <a:bodyPr lIns="0" rIns="0" tIns="0" bIns="0">
+          <a:bodyPr lIns="0" tIns="0" rIns="0" bIns="0">
             <a:normAutofit/>
           </a:bodyPr>
-          <a:p>
-            <a:endParaRPr b="0" lang="en-US" sz="3200" spc="-1" strike="noStrike">
+          <a:lstStyle/>
+          <a:p>
+            <a:endParaRPr lang="en-US" sz="3200" b="0" strike="noStrike" spc="-1">
               <a:latin typeface="Arial"/>
             </a:endParaRPr>
           </a:p>
@@ -508,11 +718,12 @@
           </a:prstGeom>
         </p:spPr>
         <p:txBody>
-          <a:bodyPr lIns="0" rIns="0" tIns="0" bIns="0">
+          <a:bodyPr lIns="0" tIns="0" rIns="0" bIns="0">
             <a:normAutofit/>
           </a:bodyPr>
-          <a:p>
-            <a:endParaRPr b="0" lang="en-US" sz="3200" spc="-1" strike="noStrike">
+          <a:lstStyle/>
+          <a:p>
+            <a:endParaRPr lang="en-US" sz="3200" b="0" strike="noStrike" spc="-1">
               <a:latin typeface="Arial"/>
             </a:endParaRPr>
           </a:p>
@@ -538,11 +749,12 @@
           </a:prstGeom>
         </p:spPr>
         <p:txBody>
-          <a:bodyPr lIns="0" rIns="0" tIns="0" bIns="0">
+          <a:bodyPr lIns="0" tIns="0" rIns="0" bIns="0">
             <a:normAutofit/>
           </a:bodyPr>
-          <a:p>
-            <a:endParaRPr b="0" lang="en-US" sz="3200" spc="-1" strike="noStrike">
+          <a:lstStyle/>
+          <a:p>
+            <a:endParaRPr lang="en-US" sz="3200" b="0" strike="noStrike" spc="-1">
               <a:latin typeface="Arial"/>
             </a:endParaRPr>
           </a:p>
@@ -550,11 +762,14 @@
       </p:sp>
     </p:spTree>
   </p:cSld>
+  <p:clrMapOvr>
+    <a:masterClrMapping/>
+  </p:clrMapOvr>
 </p:sldLayout>
 </file>
 
 <file path=ppt/slideLayouts/slideLayout2.xml><?xml version="1.0" encoding="utf-8"?>
-<p:sldLayout xmlns:a="http://schemas.openxmlformats.org/drawingml/2006/main" xmlns:p="http://schemas.openxmlformats.org/presentationml/2006/main" xmlns:r="http://schemas.openxmlformats.org/officeDocument/2006/relationships" xmlns:p14="http://schemas.microsoft.com/office/powerpoint/2010/main" xmlns:p15="http://schemas.microsoft.com/office/powerpoint/2012/main" xmlns:mc="http://schemas.openxmlformats.org/markup-compatibility/2006" type="tx" preserve="1">
+<p:sldLayout xmlns:a="http://schemas.openxmlformats.org/drawingml/2006/main" xmlns:r="http://schemas.openxmlformats.org/officeDocument/2006/relationships" xmlns:p="http://schemas.openxmlformats.org/presentationml/2006/main" type="tx" preserve="1">
   <p:cSld name="Title Slide">
     <p:spTree>
       <p:nvGrpSpPr>
@@ -590,12 +805,13 @@
           </a:prstGeom>
         </p:spPr>
         <p:txBody>
-          <a:bodyPr lIns="0" rIns="0" tIns="0" bIns="0" anchor="ctr">
+          <a:bodyPr lIns="0" tIns="0" rIns="0" bIns="0" anchor="ctr">
             <a:noAutofit/>
           </a:bodyPr>
+          <a:lstStyle/>
           <a:p>
             <a:pPr algn="ctr"/>
-            <a:endParaRPr b="0" lang="en-US" sz="4400" spc="-1" strike="noStrike">
+            <a:endParaRPr lang="en-US" sz="4400" b="0" strike="noStrike" spc="-1">
               <a:latin typeface="Arial"/>
             </a:endParaRPr>
           </a:p>
@@ -621,12 +837,13 @@
           </a:prstGeom>
         </p:spPr>
         <p:txBody>
-          <a:bodyPr lIns="0" rIns="0" tIns="0" bIns="0" anchor="ctr">
+          <a:bodyPr lIns="0" tIns="0" rIns="0" bIns="0" anchor="ctr">
             <a:noAutofit/>
           </a:bodyPr>
+          <a:lstStyle/>
           <a:p>
             <a:pPr algn="ctr"/>
-            <a:endParaRPr b="0" lang="en-US" sz="3200" spc="-1" strike="noStrike">
+            <a:endParaRPr lang="en-US" sz="3200" b="0" strike="noStrike" spc="-1">
               <a:latin typeface="Arial"/>
             </a:endParaRPr>
           </a:p>
@@ -634,11 +851,14 @@
       </p:sp>
     </p:spTree>
   </p:cSld>
+  <p:clrMapOvr>
+    <a:masterClrMapping/>
+  </p:clrMapOvr>
 </p:sldLayout>
 </file>
 
 <file path=ppt/slideLayouts/slideLayout3.xml><?xml version="1.0" encoding="utf-8"?>
-<p:sldLayout xmlns:a="http://schemas.openxmlformats.org/drawingml/2006/main" xmlns:p="http://schemas.openxmlformats.org/presentationml/2006/main" xmlns:r="http://schemas.openxmlformats.org/officeDocument/2006/relationships" xmlns:p14="http://schemas.microsoft.com/office/powerpoint/2010/main" xmlns:p15="http://schemas.microsoft.com/office/powerpoint/2012/main" xmlns:mc="http://schemas.openxmlformats.org/markup-compatibility/2006" type="obj" preserve="1">
+<p:sldLayout xmlns:a="http://schemas.openxmlformats.org/drawingml/2006/main" xmlns:r="http://schemas.openxmlformats.org/officeDocument/2006/relationships" xmlns:p="http://schemas.openxmlformats.org/presentationml/2006/main" type="obj" preserve="1">
   <p:cSld name="Title, Content">
     <p:spTree>
       <p:nvGrpSpPr>
@@ -674,12 +894,13 @@
           </a:prstGeom>
         </p:spPr>
         <p:txBody>
-          <a:bodyPr lIns="0" rIns="0" tIns="0" bIns="0" anchor="ctr">
+          <a:bodyPr lIns="0" tIns="0" rIns="0" bIns="0" anchor="ctr">
             <a:noAutofit/>
           </a:bodyPr>
+          <a:lstStyle/>
           <a:p>
             <a:pPr algn="ctr"/>
-            <a:endParaRPr b="0" lang="en-US" sz="4400" spc="-1" strike="noStrike">
+            <a:endParaRPr lang="en-US" sz="4400" b="0" strike="noStrike" spc="-1">
               <a:latin typeface="Arial"/>
             </a:endParaRPr>
           </a:p>
@@ -705,11 +926,12 @@
           </a:prstGeom>
         </p:spPr>
         <p:txBody>
-          <a:bodyPr lIns="0" rIns="0" tIns="0" bIns="0">
+          <a:bodyPr lIns="0" tIns="0" rIns="0" bIns="0">
             <a:normAutofit/>
           </a:bodyPr>
-          <a:p>
-            <a:endParaRPr b="0" lang="en-US" sz="3200" spc="-1" strike="noStrike">
+          <a:lstStyle/>
+          <a:p>
+            <a:endParaRPr lang="en-US" sz="3200" b="0" strike="noStrike" spc="-1">
               <a:latin typeface="Arial"/>
             </a:endParaRPr>
           </a:p>
@@ -717,11 +939,14 @@
       </p:sp>
     </p:spTree>
   </p:cSld>
+  <p:clrMapOvr>
+    <a:masterClrMapping/>
+  </p:clrMapOvr>
 </p:sldLayout>
 </file>
 
 <file path=ppt/slideLayouts/slideLayout4.xml><?xml version="1.0" encoding="utf-8"?>
-<p:sldLayout xmlns:a="http://schemas.openxmlformats.org/drawingml/2006/main" xmlns:p="http://schemas.openxmlformats.org/presentationml/2006/main" xmlns:r="http://schemas.openxmlformats.org/officeDocument/2006/relationships" xmlns:p14="http://schemas.microsoft.com/office/powerpoint/2010/main" xmlns:p15="http://schemas.microsoft.com/office/powerpoint/2012/main" xmlns:mc="http://schemas.openxmlformats.org/markup-compatibility/2006" type="twoObj" preserve="1">
+<p:sldLayout xmlns:a="http://schemas.openxmlformats.org/drawingml/2006/main" xmlns:r="http://schemas.openxmlformats.org/officeDocument/2006/relationships" xmlns:p="http://schemas.openxmlformats.org/presentationml/2006/main" type="twoObj" preserve="1">
   <p:cSld name="Title, 2 Content">
     <p:spTree>
       <p:nvGrpSpPr>
@@ -757,12 +982,13 @@
           </a:prstGeom>
         </p:spPr>
         <p:txBody>
-          <a:bodyPr lIns="0" rIns="0" tIns="0" bIns="0" anchor="ctr">
+          <a:bodyPr lIns="0" tIns="0" rIns="0" bIns="0" anchor="ctr">
             <a:noAutofit/>
           </a:bodyPr>
+          <a:lstStyle/>
           <a:p>
             <a:pPr algn="ctr"/>
-            <a:endParaRPr b="0" lang="en-US" sz="4400" spc="-1" strike="noStrike">
+            <a:endParaRPr lang="en-US" sz="4400" b="0" strike="noStrike" spc="-1">
               <a:latin typeface="Arial"/>
             </a:endParaRPr>
           </a:p>
@@ -788,11 +1014,12 @@
           </a:prstGeom>
         </p:spPr>
         <p:txBody>
-          <a:bodyPr lIns="0" rIns="0" tIns="0" bIns="0">
+          <a:bodyPr lIns="0" tIns="0" rIns="0" bIns="0">
             <a:normAutofit/>
           </a:bodyPr>
-          <a:p>
-            <a:endParaRPr b="0" lang="en-US" sz="3200" spc="-1" strike="noStrike">
+          <a:lstStyle/>
+          <a:p>
+            <a:endParaRPr lang="en-US" sz="3200" b="0" strike="noStrike" spc="-1">
               <a:latin typeface="Arial"/>
             </a:endParaRPr>
           </a:p>
@@ -818,11 +1045,12 @@
           </a:prstGeom>
         </p:spPr>
         <p:txBody>
-          <a:bodyPr lIns="0" rIns="0" tIns="0" bIns="0">
+          <a:bodyPr lIns="0" tIns="0" rIns="0" bIns="0">
             <a:normAutofit/>
           </a:bodyPr>
-          <a:p>
-            <a:endParaRPr b="0" lang="en-US" sz="3200" spc="-1" strike="noStrike">
+          <a:lstStyle/>
+          <a:p>
+            <a:endParaRPr lang="en-US" sz="3200" b="0" strike="noStrike" spc="-1">
               <a:latin typeface="Arial"/>
             </a:endParaRPr>
           </a:p>
@@ -830,11 +1058,14 @@
       </p:sp>
     </p:spTree>
   </p:cSld>
+  <p:clrMapOvr>
+    <a:masterClrMapping/>
+  </p:clrMapOvr>
 </p:sldLayout>
 </file>
 
 <file path=ppt/slideLayouts/slideLayout5.xml><?xml version="1.0" encoding="utf-8"?>
-<p:sldLayout xmlns:a="http://schemas.openxmlformats.org/drawingml/2006/main" xmlns:p="http://schemas.openxmlformats.org/presentationml/2006/main" xmlns:r="http://schemas.openxmlformats.org/officeDocument/2006/relationships" xmlns:p14="http://schemas.microsoft.com/office/powerpoint/2010/main" xmlns:p15="http://schemas.microsoft.com/office/powerpoint/2012/main" xmlns:mc="http://schemas.openxmlformats.org/markup-compatibility/2006" type="titleOnly" preserve="1">
+<p:sldLayout xmlns:a="http://schemas.openxmlformats.org/drawingml/2006/main" xmlns:r="http://schemas.openxmlformats.org/officeDocument/2006/relationships" xmlns:p="http://schemas.openxmlformats.org/presentationml/2006/main" type="titleOnly" preserve="1">
   <p:cSld name="Title Only">
     <p:spTree>
       <p:nvGrpSpPr>
@@ -870,12 +1101,13 @@
           </a:prstGeom>
         </p:spPr>
         <p:txBody>
-          <a:bodyPr lIns="0" rIns="0" tIns="0" bIns="0" anchor="ctr">
+          <a:bodyPr lIns="0" tIns="0" rIns="0" bIns="0" anchor="ctr">
             <a:noAutofit/>
           </a:bodyPr>
+          <a:lstStyle/>
           <a:p>
             <a:pPr algn="ctr"/>
-            <a:endParaRPr b="0" lang="en-US" sz="4400" spc="-1" strike="noStrike">
+            <a:endParaRPr lang="en-US" sz="4400" b="0" strike="noStrike" spc="-1">
               <a:latin typeface="Arial"/>
             </a:endParaRPr>
           </a:p>
@@ -883,11 +1115,14 @@
       </p:sp>
     </p:spTree>
   </p:cSld>
+  <p:clrMapOvr>
+    <a:masterClrMapping/>
+  </p:clrMapOvr>
 </p:sldLayout>
 </file>
 
 <file path=ppt/slideLayouts/slideLayout6.xml><?xml version="1.0" encoding="utf-8"?>
-<p:sldLayout xmlns:a="http://schemas.openxmlformats.org/drawingml/2006/main" xmlns:p="http://schemas.openxmlformats.org/presentationml/2006/main" xmlns:r="http://schemas.openxmlformats.org/officeDocument/2006/relationships" xmlns:p14="http://schemas.microsoft.com/office/powerpoint/2010/main" xmlns:p15="http://schemas.microsoft.com/office/powerpoint/2012/main" xmlns:mc="http://schemas.openxmlformats.org/markup-compatibility/2006" type="objOnly" preserve="1">
+<p:sldLayout xmlns:a="http://schemas.openxmlformats.org/drawingml/2006/main" xmlns:r="http://schemas.openxmlformats.org/officeDocument/2006/relationships" xmlns:p="http://schemas.openxmlformats.org/presentationml/2006/main" type="objOnly" preserve="1">
   <p:cSld name="Centered Text">
     <p:spTree>
       <p:nvGrpSpPr>
@@ -923,12 +1158,13 @@
           </a:prstGeom>
         </p:spPr>
         <p:txBody>
-          <a:bodyPr lIns="0" rIns="0" tIns="0" bIns="0" anchor="ctr">
+          <a:bodyPr lIns="0" tIns="0" rIns="0" bIns="0" anchor="ctr">
             <a:noAutofit/>
           </a:bodyPr>
+          <a:lstStyle/>
           <a:p>
             <a:pPr algn="ctr"/>
-            <a:endParaRPr b="0" lang="en-US" sz="3200" spc="-1" strike="noStrike">
+            <a:endParaRPr lang="en-US" sz="3200" b="0" strike="noStrike" spc="-1">
               <a:latin typeface="Arial"/>
             </a:endParaRPr>
           </a:p>
@@ -936,11 +1172,14 @@
       </p:sp>
     </p:spTree>
   </p:cSld>
+  <p:clrMapOvr>
+    <a:masterClrMapping/>
+  </p:clrMapOvr>
 </p:sldLayout>
 </file>
 
 <file path=ppt/slideLayouts/slideLayout7.xml><?xml version="1.0" encoding="utf-8"?>
-<p:sldLayout xmlns:a="http://schemas.openxmlformats.org/drawingml/2006/main" xmlns:p="http://schemas.openxmlformats.org/presentationml/2006/main" xmlns:r="http://schemas.openxmlformats.org/officeDocument/2006/relationships" xmlns:p14="http://schemas.microsoft.com/office/powerpoint/2010/main" xmlns:p15="http://schemas.microsoft.com/office/powerpoint/2012/main" xmlns:mc="http://schemas.openxmlformats.org/markup-compatibility/2006" type="twoObjAndObj" preserve="1">
+<p:sldLayout xmlns:a="http://schemas.openxmlformats.org/drawingml/2006/main" xmlns:r="http://schemas.openxmlformats.org/officeDocument/2006/relationships" xmlns:p="http://schemas.openxmlformats.org/presentationml/2006/main" type="twoObjAndObj" preserve="1">
   <p:cSld name="Title, 2 Content and Content">
     <p:spTree>
       <p:nvGrpSpPr>
@@ -976,12 +1215,13 @@
           </a:prstGeom>
         </p:spPr>
         <p:txBody>
-          <a:bodyPr lIns="0" rIns="0" tIns="0" bIns="0" anchor="ctr">
+          <a:bodyPr lIns="0" tIns="0" rIns="0" bIns="0" anchor="ctr">
             <a:noAutofit/>
           </a:bodyPr>
+          <a:lstStyle/>
           <a:p>
             <a:pPr algn="ctr"/>
-            <a:endParaRPr b="0" lang="en-US" sz="4400" spc="-1" strike="noStrike">
+            <a:endParaRPr lang="en-US" sz="4400" b="0" strike="noStrike" spc="-1">
               <a:latin typeface="Arial"/>
             </a:endParaRPr>
           </a:p>
@@ -1007,11 +1247,12 @@
           </a:prstGeom>
         </p:spPr>
         <p:txBody>
-          <a:bodyPr lIns="0" rIns="0" tIns="0" bIns="0">
+          <a:bodyPr lIns="0" tIns="0" rIns="0" bIns="0">
             <a:normAutofit/>
           </a:bodyPr>
-          <a:p>
-            <a:endParaRPr b="0" lang="en-US" sz="3200" spc="-1" strike="noStrike">
+          <a:lstStyle/>
+          <a:p>
+            <a:endParaRPr lang="en-US" sz="3200" b="0" strike="noStrike" spc="-1">
               <a:latin typeface="Arial"/>
             </a:endParaRPr>
           </a:p>
@@ -1037,11 +1278,12 @@
           </a:prstGeom>
         </p:spPr>
         <p:txBody>
-          <a:bodyPr lIns="0" rIns="0" tIns="0" bIns="0">
+          <a:bodyPr lIns="0" tIns="0" rIns="0" bIns="0">
             <a:normAutofit/>
           </a:bodyPr>
-          <a:p>
-            <a:endParaRPr b="0" lang="en-US" sz="3200" spc="-1" strike="noStrike">
+          <a:lstStyle/>
+          <a:p>
+            <a:endParaRPr lang="en-US" sz="3200" b="0" strike="noStrike" spc="-1">
               <a:latin typeface="Arial"/>
             </a:endParaRPr>
           </a:p>
@@ -1067,11 +1309,12 @@
           </a:prstGeom>
         </p:spPr>
         <p:txBody>
-          <a:bodyPr lIns="0" rIns="0" tIns="0" bIns="0">
+          <a:bodyPr lIns="0" tIns="0" rIns="0" bIns="0">
             <a:normAutofit/>
           </a:bodyPr>
-          <a:p>
-            <a:endParaRPr b="0" lang="en-US" sz="3200" spc="-1" strike="noStrike">
+          <a:lstStyle/>
+          <a:p>
+            <a:endParaRPr lang="en-US" sz="3200" b="0" strike="noStrike" spc="-1">
               <a:latin typeface="Arial"/>
             </a:endParaRPr>
           </a:p>
@@ -1079,11 +1322,14 @@
       </p:sp>
     </p:spTree>
   </p:cSld>
+  <p:clrMapOvr>
+    <a:masterClrMapping/>
+  </p:clrMapOvr>
 </p:sldLayout>
 </file>
 
 <file path=ppt/slideLayouts/slideLayout8.xml><?xml version="1.0" encoding="utf-8"?>
-<p:sldLayout xmlns:a="http://schemas.openxmlformats.org/drawingml/2006/main" xmlns:p="http://schemas.openxmlformats.org/presentationml/2006/main" xmlns:r="http://schemas.openxmlformats.org/officeDocument/2006/relationships" xmlns:p14="http://schemas.microsoft.com/office/powerpoint/2010/main" xmlns:p15="http://schemas.microsoft.com/office/powerpoint/2012/main" xmlns:mc="http://schemas.openxmlformats.org/markup-compatibility/2006" type="objAndTwoObj" preserve="1">
+<p:sldLayout xmlns:a="http://schemas.openxmlformats.org/drawingml/2006/main" xmlns:r="http://schemas.openxmlformats.org/officeDocument/2006/relationships" xmlns:p="http://schemas.openxmlformats.org/presentationml/2006/main" type="objAndTwoObj" preserve="1">
   <p:cSld name="Title Content and 2 Content">
     <p:spTree>
       <p:nvGrpSpPr>
@@ -1119,12 +1365,13 @@
           </a:prstGeom>
         </p:spPr>
         <p:txBody>
-          <a:bodyPr lIns="0" rIns="0" tIns="0" bIns="0" anchor="ctr">
+          <a:bodyPr lIns="0" tIns="0" rIns="0" bIns="0" anchor="ctr">
             <a:noAutofit/>
           </a:bodyPr>
+          <a:lstStyle/>
           <a:p>
             <a:pPr algn="ctr"/>
-            <a:endParaRPr b="0" lang="en-US" sz="4400" spc="-1" strike="noStrike">
+            <a:endParaRPr lang="en-US" sz="4400" b="0" strike="noStrike" spc="-1">
               <a:latin typeface="Arial"/>
             </a:endParaRPr>
           </a:p>
@@ -1150,11 +1397,12 @@
           </a:prstGeom>
         </p:spPr>
         <p:txBody>
-          <a:bodyPr lIns="0" rIns="0" tIns="0" bIns="0">
+          <a:bodyPr lIns="0" tIns="0" rIns="0" bIns="0">
             <a:normAutofit/>
           </a:bodyPr>
-          <a:p>
-            <a:endParaRPr b="0" lang="en-US" sz="3200" spc="-1" strike="noStrike">
+          <a:lstStyle/>
+          <a:p>
+            <a:endParaRPr lang="en-US" sz="3200" b="0" strike="noStrike" spc="-1">
               <a:latin typeface="Arial"/>
             </a:endParaRPr>
           </a:p>
@@ -1180,11 +1428,12 @@
           </a:prstGeom>
         </p:spPr>
         <p:txBody>
-          <a:bodyPr lIns="0" rIns="0" tIns="0" bIns="0">
+          <a:bodyPr lIns="0" tIns="0" rIns="0" bIns="0">
             <a:normAutofit/>
           </a:bodyPr>
-          <a:p>
-            <a:endParaRPr b="0" lang="en-US" sz="3200" spc="-1" strike="noStrike">
+          <a:lstStyle/>
+          <a:p>
+            <a:endParaRPr lang="en-US" sz="3200" b="0" strike="noStrike" spc="-1">
               <a:latin typeface="Arial"/>
             </a:endParaRPr>
           </a:p>
@@ -1210,11 +1459,12 @@
           </a:prstGeom>
         </p:spPr>
         <p:txBody>
-          <a:bodyPr lIns="0" rIns="0" tIns="0" bIns="0">
+          <a:bodyPr lIns="0" tIns="0" rIns="0" bIns="0">
             <a:normAutofit/>
           </a:bodyPr>
-          <a:p>
-            <a:endParaRPr b="0" lang="en-US" sz="3200" spc="-1" strike="noStrike">
+          <a:lstStyle/>
+          <a:p>
+            <a:endParaRPr lang="en-US" sz="3200" b="0" strike="noStrike" spc="-1">
               <a:latin typeface="Arial"/>
             </a:endParaRPr>
           </a:p>
@@ -1222,11 +1472,14 @@
       </p:sp>
     </p:spTree>
   </p:cSld>
+  <p:clrMapOvr>
+    <a:masterClrMapping/>
+  </p:clrMapOvr>
 </p:sldLayout>
 </file>
 
 <file path=ppt/slideLayouts/slideLayout9.xml><?xml version="1.0" encoding="utf-8"?>
-<p:sldLayout xmlns:a="http://schemas.openxmlformats.org/drawingml/2006/main" xmlns:p="http://schemas.openxmlformats.org/presentationml/2006/main" xmlns:r="http://schemas.openxmlformats.org/officeDocument/2006/relationships" xmlns:p14="http://schemas.microsoft.com/office/powerpoint/2010/main" xmlns:p15="http://schemas.microsoft.com/office/powerpoint/2012/main" xmlns:mc="http://schemas.openxmlformats.org/markup-compatibility/2006" type="twoObjOverTx" preserve="1">
+<p:sldLayout xmlns:a="http://schemas.openxmlformats.org/drawingml/2006/main" xmlns:r="http://schemas.openxmlformats.org/officeDocument/2006/relationships" xmlns:p="http://schemas.openxmlformats.org/presentationml/2006/main" type="twoObjOverTx" preserve="1">
   <p:cSld name="Title, 2 Content over Content">
     <p:spTree>
       <p:nvGrpSpPr>
@@ -1262,12 +1515,13 @@
           </a:prstGeom>
         </p:spPr>
         <p:txBody>
-          <a:bodyPr lIns="0" rIns="0" tIns="0" bIns="0" anchor="ctr">
+          <a:bodyPr lIns="0" tIns="0" rIns="0" bIns="0" anchor="ctr">
             <a:noAutofit/>
           </a:bodyPr>
+          <a:lstStyle/>
           <a:p>
             <a:pPr algn="ctr"/>
-            <a:endParaRPr b="0" lang="en-US" sz="4400" spc="-1" strike="noStrike">
+            <a:endParaRPr lang="en-US" sz="4400" b="0" strike="noStrike" spc="-1">
               <a:latin typeface="Arial"/>
             </a:endParaRPr>
           </a:p>
@@ -1293,11 +1547,12 @@
           </a:prstGeom>
         </p:spPr>
         <p:txBody>
-          <a:bodyPr lIns="0" rIns="0" tIns="0" bIns="0">
+          <a:bodyPr lIns="0" tIns="0" rIns="0" bIns="0">
             <a:normAutofit/>
           </a:bodyPr>
-          <a:p>
-            <a:endParaRPr b="0" lang="en-US" sz="3200" spc="-1" strike="noStrike">
+          <a:lstStyle/>
+          <a:p>
+            <a:endParaRPr lang="en-US" sz="3200" b="0" strike="noStrike" spc="-1">
               <a:latin typeface="Arial"/>
             </a:endParaRPr>
           </a:p>
@@ -1323,11 +1578,12 @@
           </a:prstGeom>
         </p:spPr>
         <p:txBody>
-          <a:bodyPr lIns="0" rIns="0" tIns="0" bIns="0">
+          <a:bodyPr lIns="0" tIns="0" rIns="0" bIns="0">
             <a:normAutofit/>
           </a:bodyPr>
-          <a:p>
-            <a:endParaRPr b="0" lang="en-US" sz="3200" spc="-1" strike="noStrike">
+          <a:lstStyle/>
+          <a:p>
+            <a:endParaRPr lang="en-US" sz="3200" b="0" strike="noStrike" spc="-1">
               <a:latin typeface="Arial"/>
             </a:endParaRPr>
           </a:p>
@@ -1353,11 +1609,12 @@
           </a:prstGeom>
         </p:spPr>
         <p:txBody>
-          <a:bodyPr lIns="0" rIns="0" tIns="0" bIns="0">
+          <a:bodyPr lIns="0" tIns="0" rIns="0" bIns="0">
             <a:normAutofit/>
           </a:bodyPr>
-          <a:p>
-            <a:endParaRPr b="0" lang="en-US" sz="3200" spc="-1" strike="noStrike">
+          <a:lstStyle/>
+          <a:p>
+            <a:endParaRPr lang="en-US" sz="3200" b="0" strike="noStrike" spc="-1">
               <a:latin typeface="Arial"/>
             </a:endParaRPr>
           </a:p>
@@ -1365,20 +1622,24 @@
       </p:sp>
     </p:spTree>
   </p:cSld>
+  <p:clrMapOvr>
+    <a:masterClrMapping/>
+  </p:clrMapOvr>
 </p:sldLayout>
 </file>
 
 <file path=ppt/slideMasters/slideMaster1.xml><?xml version="1.0" encoding="utf-8"?>
-<p:sldMaster xmlns:a="http://schemas.openxmlformats.org/drawingml/2006/main" xmlns:p="http://schemas.openxmlformats.org/presentationml/2006/main" xmlns:r="http://schemas.openxmlformats.org/officeDocument/2006/relationships" xmlns:p14="http://schemas.microsoft.com/office/powerpoint/2010/main" xmlns:p15="http://schemas.microsoft.com/office/powerpoint/2012/main" xmlns:mc="http://schemas.openxmlformats.org/markup-compatibility/2006">
+<p:sldMaster xmlns:a="http://schemas.openxmlformats.org/drawingml/2006/main" xmlns:r="http://schemas.openxmlformats.org/officeDocument/2006/relationships" xmlns:p="http://schemas.openxmlformats.org/presentationml/2006/main">
   <p:cSld>
     <p:bg>
       <p:bgPr>
         <a:blipFill rotWithShape="0">
-          <a:blip r:embed="rId2"/>
+          <a:blip r:embed="rId14"/>
           <a:stretch>
             <a:fillRect/>
           </a:stretch>
         </a:blipFill>
+        <a:effectLst/>
       </p:bgPr>
     </p:bg>
     <p:spTree>
@@ -1397,7 +1658,7 @@
       </p:grpSpPr>
       <p:sp>
         <p:nvSpPr>
-          <p:cNvPr id="0" name="PlaceHolder 1"/>
+          <p:cNvPr id="2" name="PlaceHolder 1"/>
           <p:cNvSpPr>
             <a:spLocks noGrp="1"/>
           </p:cNvSpPr>
@@ -1415,44 +1676,24 @@
           </a:prstGeom>
         </p:spPr>
         <p:txBody>
-          <a:bodyPr lIns="0" rIns="0" tIns="0" bIns="0" anchor="ctr">
+          <a:bodyPr lIns="0" tIns="0" rIns="0" bIns="0" anchor="ctr">
             <a:noAutofit/>
           </a:bodyPr>
+          <a:lstStyle/>
           <a:p>
             <a:pPr algn="ctr"/>
             <a:r>
-              <a:rPr b="0" lang="en-US" sz="4400" spc="-1" strike="noStrike">
+              <a:rPr lang="en-US" sz="4400" b="0" strike="noStrike" spc="-1">
                 <a:latin typeface="Arial"/>
               </a:rPr>
-              <a:t>Click to </a:t>
+              <a:t>Click to edit the title text format</a:t>
             </a:r>
-            <a:r>
-              <a:rPr b="0" lang="en-US" sz="4400" spc="-1" strike="noStrike">
-                <a:latin typeface="Arial"/>
-              </a:rPr>
-              <a:t>edit the </a:t>
-            </a:r>
-            <a:r>
-              <a:rPr b="0" lang="en-US" sz="4400" spc="-1" strike="noStrike">
-                <a:latin typeface="Arial"/>
-              </a:rPr>
-              <a:t>title text </a:t>
-            </a:r>
-            <a:r>
-              <a:rPr b="0" lang="en-US" sz="4400" spc="-1" strike="noStrike">
-                <a:latin typeface="Arial"/>
-              </a:rPr>
-              <a:t>format</a:t>
-            </a:r>
-            <a:endParaRPr b="0" lang="en-US" sz="4400" spc="-1" strike="noStrike">
-              <a:latin typeface="Arial"/>
-            </a:endParaRPr>
-          </a:p>
-        </p:txBody>
-      </p:sp>
-      <p:sp>
-        <p:nvSpPr>
-          <p:cNvPr id="1" name="PlaceHolder 2"/>
+          </a:p>
+        </p:txBody>
+      </p:sp>
+      <p:sp>
+        <p:nvSpPr>
+          <p:cNvPr id="3" name="PlaceHolder 2"/>
           <p:cNvSpPr>
             <a:spLocks noGrp="1"/>
           </p:cNvSpPr>
@@ -1470,9 +1711,10 @@
           </a:prstGeom>
         </p:spPr>
         <p:txBody>
-          <a:bodyPr lIns="0" rIns="0" tIns="0" bIns="0">
+          <a:bodyPr lIns="0" tIns="0" rIns="0" bIns="0">
             <a:normAutofit/>
           </a:bodyPr>
+          <a:lstStyle/>
           <a:p>
             <a:pPr marL="432000" indent="-324000">
               <a:spcBef>
@@ -1486,17 +1728,14 @@
               <a:buChar char=""/>
             </a:pPr>
             <a:r>
-              <a:rPr b="0" lang="en-US" sz="3200" spc="-1" strike="noStrike">
+              <a:rPr lang="en-US" sz="3200" b="0" strike="noStrike" spc="-1">
                 <a:latin typeface="Arial"/>
               </a:rPr>
               <a:t>Click to edit the outline text format</a:t>
             </a:r>
-            <a:endParaRPr b="0" lang="en-US" sz="3200" spc="-1" strike="noStrike">
-              <a:latin typeface="Arial"/>
-            </a:endParaRPr>
-          </a:p>
-          <a:p>
-            <a:pPr lvl="1" marL="864000" indent="-324000">
+          </a:p>
+          <a:p>
+            <a:pPr marL="864000" lvl="1" indent="-324000">
               <a:spcBef>
                 <a:spcPts val="1134"/>
               </a:spcBef>
@@ -1508,17 +1747,14 @@
               <a:buChar char=""/>
             </a:pPr>
             <a:r>
-              <a:rPr b="0" lang="en-US" sz="2800" spc="-1" strike="noStrike">
+              <a:rPr lang="en-US" sz="2800" b="0" strike="noStrike" spc="-1">
                 <a:latin typeface="Arial"/>
               </a:rPr>
               <a:t>Second Outline Level</a:t>
             </a:r>
-            <a:endParaRPr b="0" lang="en-US" sz="2800" spc="-1" strike="noStrike">
-              <a:latin typeface="Arial"/>
-            </a:endParaRPr>
-          </a:p>
-          <a:p>
-            <a:pPr lvl="2" marL="1296000" indent="-288000">
+          </a:p>
+          <a:p>
+            <a:pPr marL="1296000" lvl="2" indent="-288000">
               <a:spcBef>
                 <a:spcPts val="850"/>
               </a:spcBef>
@@ -1530,17 +1766,14 @@
               <a:buChar char=""/>
             </a:pPr>
             <a:r>
-              <a:rPr b="0" lang="en-US" sz="2400" spc="-1" strike="noStrike">
+              <a:rPr lang="en-US" sz="2400" b="0" strike="noStrike" spc="-1">
                 <a:latin typeface="Arial"/>
               </a:rPr>
               <a:t>Third Outline Level</a:t>
             </a:r>
-            <a:endParaRPr b="0" lang="en-US" sz="2400" spc="-1" strike="noStrike">
-              <a:latin typeface="Arial"/>
-            </a:endParaRPr>
-          </a:p>
-          <a:p>
-            <a:pPr lvl="3" marL="1728000" indent="-216000">
+          </a:p>
+          <a:p>
+            <a:pPr marL="1728000" lvl="3" indent="-216000">
               <a:spcBef>
                 <a:spcPts val="567"/>
               </a:spcBef>
@@ -1552,17 +1785,14 @@
               <a:buChar char=""/>
             </a:pPr>
             <a:r>
-              <a:rPr b="0" lang="en-US" sz="2000" spc="-1" strike="noStrike">
+              <a:rPr lang="en-US" sz="2000" b="0" strike="noStrike" spc="-1">
                 <a:latin typeface="Arial"/>
               </a:rPr>
               <a:t>Fourth Outline Level</a:t>
             </a:r>
-            <a:endParaRPr b="0" lang="en-US" sz="2000" spc="-1" strike="noStrike">
-              <a:latin typeface="Arial"/>
-            </a:endParaRPr>
-          </a:p>
-          <a:p>
-            <a:pPr lvl="4" marL="2160000" indent="-216000">
+          </a:p>
+          <a:p>
+            <a:pPr marL="2160000" lvl="4" indent="-216000">
               <a:spcBef>
                 <a:spcPts val="283"/>
               </a:spcBef>
@@ -1574,17 +1804,14 @@
               <a:buChar char=""/>
             </a:pPr>
             <a:r>
-              <a:rPr b="0" lang="en-US" sz="2000" spc="-1" strike="noStrike">
+              <a:rPr lang="en-US" sz="2000" b="0" strike="noStrike" spc="-1">
                 <a:latin typeface="Arial"/>
               </a:rPr>
               <a:t>Fifth Outline Level</a:t>
             </a:r>
-            <a:endParaRPr b="0" lang="en-US" sz="2000" spc="-1" strike="noStrike">
-              <a:latin typeface="Arial"/>
-            </a:endParaRPr>
-          </a:p>
-          <a:p>
-            <a:pPr lvl="5" marL="2592000" indent="-216000">
+          </a:p>
+          <a:p>
+            <a:pPr marL="2592000" lvl="5" indent="-216000">
               <a:spcBef>
                 <a:spcPts val="283"/>
               </a:spcBef>
@@ -1596,17 +1823,14 @@
               <a:buChar char=""/>
             </a:pPr>
             <a:r>
-              <a:rPr b="0" lang="en-US" sz="2000" spc="-1" strike="noStrike">
+              <a:rPr lang="en-US" sz="2000" b="0" strike="noStrike" spc="-1">
                 <a:latin typeface="Arial"/>
               </a:rPr>
               <a:t>Sixth Outline Level</a:t>
             </a:r>
-            <a:endParaRPr b="0" lang="en-US" sz="2000" spc="-1" strike="noStrike">
-              <a:latin typeface="Arial"/>
-            </a:endParaRPr>
-          </a:p>
-          <a:p>
-            <a:pPr lvl="6" marL="3024000" indent="-216000">
+          </a:p>
+          <a:p>
+            <a:pPr marL="3024000" lvl="6" indent="-216000">
               <a:spcBef>
                 <a:spcPts val="283"/>
               </a:spcBef>
@@ -1618,39 +1842,316 @@
               <a:buChar char=""/>
             </a:pPr>
             <a:r>
-              <a:rPr b="0" lang="en-US" sz="2000" spc="-1" strike="noStrike">
+              <a:rPr lang="en-US" sz="2000" b="0" strike="noStrike" spc="-1">
                 <a:latin typeface="Arial"/>
               </a:rPr>
               <a:t>Seventh Outline Level</a:t>
             </a:r>
-            <a:endParaRPr b="0" lang="en-US" sz="2000" spc="-1" strike="noStrike">
-              <a:latin typeface="Arial"/>
-            </a:endParaRPr>
           </a:p>
         </p:txBody>
       </p:sp>
     </p:spTree>
   </p:cSld>
-  <p:clrMap bg1="lt1" bg2="lt2" tx1="dk1" tx2="dk2" accent1="accent1" accent2="accent2" accent3="accent3" accent4="accent4" accent5="accent5" accent6="accent6" hlink="hlink" folHlink="folHlink"/>
+  <p:clrMap bg1="lt1" tx1="dk1" bg2="lt2" tx2="dk2" accent1="accent1" accent2="accent2" accent3="accent3" accent4="accent4" accent5="accent5" accent6="accent6" hlink="hlink" folHlink="folHlink"/>
   <p:sldLayoutIdLst>
-    <p:sldLayoutId id="2147483649" r:id="rId3"/>
-    <p:sldLayoutId id="2147483650" r:id="rId4"/>
-    <p:sldLayoutId id="2147483651" r:id="rId5"/>
-    <p:sldLayoutId id="2147483652" r:id="rId6"/>
-    <p:sldLayoutId id="2147483653" r:id="rId7"/>
-    <p:sldLayoutId id="2147483654" r:id="rId8"/>
-    <p:sldLayoutId id="2147483655" r:id="rId9"/>
-    <p:sldLayoutId id="2147483656" r:id="rId10"/>
-    <p:sldLayoutId id="2147483657" r:id="rId11"/>
-    <p:sldLayoutId id="2147483658" r:id="rId12"/>
-    <p:sldLayoutId id="2147483659" r:id="rId13"/>
-    <p:sldLayoutId id="2147483660" r:id="rId14"/>
+    <p:sldLayoutId id="2147483649" r:id="rId1"/>
+    <p:sldLayoutId id="2147483650" r:id="rId2"/>
+    <p:sldLayoutId id="2147483651" r:id="rId3"/>
+    <p:sldLayoutId id="2147483652" r:id="rId4"/>
+    <p:sldLayoutId id="2147483653" r:id="rId5"/>
+    <p:sldLayoutId id="2147483654" r:id="rId6"/>
+    <p:sldLayoutId id="2147483655" r:id="rId7"/>
+    <p:sldLayoutId id="2147483656" r:id="rId8"/>
+    <p:sldLayoutId id="2147483657" r:id="rId9"/>
+    <p:sldLayoutId id="2147483658" r:id="rId10"/>
+    <p:sldLayoutId id="2147483659" r:id="rId11"/>
+    <p:sldLayoutId id="2147483660" r:id="rId12"/>
   </p:sldLayoutIdLst>
+  <p:txStyles>
+    <p:titleStyle>
+      <a:lvl1pPr algn="l" defTabSz="914400" rtl="0" eaLnBrk="1" latinLnBrk="0" hangingPunct="1">
+        <a:lnSpc>
+          <a:spcPct val="90000"/>
+        </a:lnSpc>
+        <a:spcBef>
+          <a:spcPct val="0"/>
+        </a:spcBef>
+        <a:buNone/>
+        <a:defRPr sz="4400" kern="1200">
+          <a:solidFill>
+            <a:schemeClr val="tx1"/>
+          </a:solidFill>
+          <a:latin typeface="+mj-lt"/>
+          <a:ea typeface="+mj-ea"/>
+          <a:cs typeface="+mj-cs"/>
+        </a:defRPr>
+      </a:lvl1pPr>
+    </p:titleStyle>
+    <p:bodyStyle>
+      <a:lvl1pPr marL="228600" indent="-228600" algn="l" defTabSz="914400" rtl="0" eaLnBrk="1" latinLnBrk="0" hangingPunct="1">
+        <a:lnSpc>
+          <a:spcPct val="90000"/>
+        </a:lnSpc>
+        <a:spcBef>
+          <a:spcPts val="1000"/>
+        </a:spcBef>
+        <a:buFont typeface="Arial" panose="020B0604020202020204" pitchFamily="34" charset="0"/>
+        <a:buChar char="•"/>
+        <a:defRPr sz="2800" kern="1200">
+          <a:solidFill>
+            <a:schemeClr val="tx1"/>
+          </a:solidFill>
+          <a:latin typeface="+mn-lt"/>
+          <a:ea typeface="+mn-ea"/>
+          <a:cs typeface="+mn-cs"/>
+        </a:defRPr>
+      </a:lvl1pPr>
+      <a:lvl2pPr marL="685800" indent="-228600" algn="l" defTabSz="914400" rtl="0" eaLnBrk="1" latinLnBrk="0" hangingPunct="1">
+        <a:lnSpc>
+          <a:spcPct val="90000"/>
+        </a:lnSpc>
+        <a:spcBef>
+          <a:spcPts val="500"/>
+        </a:spcBef>
+        <a:buFont typeface="Arial" panose="020B0604020202020204" pitchFamily="34" charset="0"/>
+        <a:buChar char="•"/>
+        <a:defRPr sz="2400" kern="1200">
+          <a:solidFill>
+            <a:schemeClr val="tx1"/>
+          </a:solidFill>
+          <a:latin typeface="+mn-lt"/>
+          <a:ea typeface="+mn-ea"/>
+          <a:cs typeface="+mn-cs"/>
+        </a:defRPr>
+      </a:lvl2pPr>
+      <a:lvl3pPr marL="1143000" indent="-228600" algn="l" defTabSz="914400" rtl="0" eaLnBrk="1" latinLnBrk="0" hangingPunct="1">
+        <a:lnSpc>
+          <a:spcPct val="90000"/>
+        </a:lnSpc>
+        <a:spcBef>
+          <a:spcPts val="500"/>
+        </a:spcBef>
+        <a:buFont typeface="Arial" panose="020B0604020202020204" pitchFamily="34" charset="0"/>
+        <a:buChar char="•"/>
+        <a:defRPr sz="2000" kern="1200">
+          <a:solidFill>
+            <a:schemeClr val="tx1"/>
+          </a:solidFill>
+          <a:latin typeface="+mn-lt"/>
+          <a:ea typeface="+mn-ea"/>
+          <a:cs typeface="+mn-cs"/>
+        </a:defRPr>
+      </a:lvl3pPr>
+      <a:lvl4pPr marL="1600200" indent="-228600" algn="l" defTabSz="914400" rtl="0" eaLnBrk="1" latinLnBrk="0" hangingPunct="1">
+        <a:lnSpc>
+          <a:spcPct val="90000"/>
+        </a:lnSpc>
+        <a:spcBef>
+          <a:spcPts val="500"/>
+        </a:spcBef>
+        <a:buFont typeface="Arial" panose="020B0604020202020204" pitchFamily="34" charset="0"/>
+        <a:buChar char="•"/>
+        <a:defRPr sz="1800" kern="1200">
+          <a:solidFill>
+            <a:schemeClr val="tx1"/>
+          </a:solidFill>
+          <a:latin typeface="+mn-lt"/>
+          <a:ea typeface="+mn-ea"/>
+          <a:cs typeface="+mn-cs"/>
+        </a:defRPr>
+      </a:lvl4pPr>
+      <a:lvl5pPr marL="2057400" indent="-228600" algn="l" defTabSz="914400" rtl="0" eaLnBrk="1" latinLnBrk="0" hangingPunct="1">
+        <a:lnSpc>
+          <a:spcPct val="90000"/>
+        </a:lnSpc>
+        <a:spcBef>
+          <a:spcPts val="500"/>
+        </a:spcBef>
+        <a:buFont typeface="Arial" panose="020B0604020202020204" pitchFamily="34" charset="0"/>
+        <a:buChar char="•"/>
+        <a:defRPr sz="1800" kern="1200">
+          <a:solidFill>
+            <a:schemeClr val="tx1"/>
+          </a:solidFill>
+          <a:latin typeface="+mn-lt"/>
+          <a:ea typeface="+mn-ea"/>
+          <a:cs typeface="+mn-cs"/>
+        </a:defRPr>
+      </a:lvl5pPr>
+      <a:lvl6pPr marL="2514600" indent="-228600" algn="l" defTabSz="914400" rtl="0" eaLnBrk="1" latinLnBrk="0" hangingPunct="1">
+        <a:lnSpc>
+          <a:spcPct val="90000"/>
+        </a:lnSpc>
+        <a:spcBef>
+          <a:spcPts val="500"/>
+        </a:spcBef>
+        <a:buFont typeface="Arial" panose="020B0604020202020204" pitchFamily="34" charset="0"/>
+        <a:buChar char="•"/>
+        <a:defRPr sz="1800" kern="1200">
+          <a:solidFill>
+            <a:schemeClr val="tx1"/>
+          </a:solidFill>
+          <a:latin typeface="+mn-lt"/>
+          <a:ea typeface="+mn-ea"/>
+          <a:cs typeface="+mn-cs"/>
+        </a:defRPr>
+      </a:lvl6pPr>
+      <a:lvl7pPr marL="2971800" indent="-228600" algn="l" defTabSz="914400" rtl="0" eaLnBrk="1" latinLnBrk="0" hangingPunct="1">
+        <a:lnSpc>
+          <a:spcPct val="90000"/>
+        </a:lnSpc>
+        <a:spcBef>
+          <a:spcPts val="500"/>
+        </a:spcBef>
+        <a:buFont typeface="Arial" panose="020B0604020202020204" pitchFamily="34" charset="0"/>
+        <a:buChar char="•"/>
+        <a:defRPr sz="1800" kern="1200">
+          <a:solidFill>
+            <a:schemeClr val="tx1"/>
+          </a:solidFill>
+          <a:latin typeface="+mn-lt"/>
+          <a:ea typeface="+mn-ea"/>
+          <a:cs typeface="+mn-cs"/>
+        </a:defRPr>
+      </a:lvl7pPr>
+      <a:lvl8pPr marL="3429000" indent="-228600" algn="l" defTabSz="914400" rtl="0" eaLnBrk="1" latinLnBrk="0" hangingPunct="1">
+        <a:lnSpc>
+          <a:spcPct val="90000"/>
+        </a:lnSpc>
+        <a:spcBef>
+          <a:spcPts val="500"/>
+        </a:spcBef>
+        <a:buFont typeface="Arial" panose="020B0604020202020204" pitchFamily="34" charset="0"/>
+        <a:buChar char="•"/>
+        <a:defRPr sz="1800" kern="1200">
+          <a:solidFill>
+            <a:schemeClr val="tx1"/>
+          </a:solidFill>
+          <a:latin typeface="+mn-lt"/>
+          <a:ea typeface="+mn-ea"/>
+          <a:cs typeface="+mn-cs"/>
+        </a:defRPr>
+      </a:lvl8pPr>
+      <a:lvl9pPr marL="3886200" indent="-228600" algn="l" defTabSz="914400" rtl="0" eaLnBrk="1" latinLnBrk="0" hangingPunct="1">
+        <a:lnSpc>
+          <a:spcPct val="90000"/>
+        </a:lnSpc>
+        <a:spcBef>
+          <a:spcPts val="500"/>
+        </a:spcBef>
+        <a:buFont typeface="Arial" panose="020B0604020202020204" pitchFamily="34" charset="0"/>
+        <a:buChar char="•"/>
+        <a:defRPr sz="1800" kern="1200">
+          <a:solidFill>
+            <a:schemeClr val="tx1"/>
+          </a:solidFill>
+          <a:latin typeface="+mn-lt"/>
+          <a:ea typeface="+mn-ea"/>
+          <a:cs typeface="+mn-cs"/>
+        </a:defRPr>
+      </a:lvl9pPr>
+    </p:bodyStyle>
+    <p:otherStyle>
+      <a:defPPr>
+        <a:defRPr lang="en-US"/>
+      </a:defPPr>
+      <a:lvl1pPr marL="0" algn="l" defTabSz="914400" rtl="0" eaLnBrk="1" latinLnBrk="0" hangingPunct="1">
+        <a:defRPr sz="1800" kern="1200">
+          <a:solidFill>
+            <a:schemeClr val="tx1"/>
+          </a:solidFill>
+          <a:latin typeface="+mn-lt"/>
+          <a:ea typeface="+mn-ea"/>
+          <a:cs typeface="+mn-cs"/>
+        </a:defRPr>
+      </a:lvl1pPr>
+      <a:lvl2pPr marL="457200" algn="l" defTabSz="914400" rtl="0" eaLnBrk="1" latinLnBrk="0" hangingPunct="1">
+        <a:defRPr sz="1800" kern="1200">
+          <a:solidFill>
+            <a:schemeClr val="tx1"/>
+          </a:solidFill>
+          <a:latin typeface="+mn-lt"/>
+          <a:ea typeface="+mn-ea"/>
+          <a:cs typeface="+mn-cs"/>
+        </a:defRPr>
+      </a:lvl2pPr>
+      <a:lvl3pPr marL="914400" algn="l" defTabSz="914400" rtl="0" eaLnBrk="1" latinLnBrk="0" hangingPunct="1">
+        <a:defRPr sz="1800" kern="1200">
+          <a:solidFill>
+            <a:schemeClr val="tx1"/>
+          </a:solidFill>
+          <a:latin typeface="+mn-lt"/>
+          <a:ea typeface="+mn-ea"/>
+          <a:cs typeface="+mn-cs"/>
+        </a:defRPr>
+      </a:lvl3pPr>
+      <a:lvl4pPr marL="1371600" algn="l" defTabSz="914400" rtl="0" eaLnBrk="1" latinLnBrk="0" hangingPunct="1">
+        <a:defRPr sz="1800" kern="1200">
+          <a:solidFill>
+            <a:schemeClr val="tx1"/>
+          </a:solidFill>
+          <a:latin typeface="+mn-lt"/>
+          <a:ea typeface="+mn-ea"/>
+          <a:cs typeface="+mn-cs"/>
+        </a:defRPr>
+      </a:lvl4pPr>
+      <a:lvl5pPr marL="1828800" algn="l" defTabSz="914400" rtl="0" eaLnBrk="1" latinLnBrk="0" hangingPunct="1">
+        <a:defRPr sz="1800" kern="1200">
+          <a:solidFill>
+            <a:schemeClr val="tx1"/>
+          </a:solidFill>
+          <a:latin typeface="+mn-lt"/>
+          <a:ea typeface="+mn-ea"/>
+          <a:cs typeface="+mn-cs"/>
+        </a:defRPr>
+      </a:lvl5pPr>
+      <a:lvl6pPr marL="2286000" algn="l" defTabSz="914400" rtl="0" eaLnBrk="1" latinLnBrk="0" hangingPunct="1">
+        <a:defRPr sz="1800" kern="1200">
+          <a:solidFill>
+            <a:schemeClr val="tx1"/>
+          </a:solidFill>
+          <a:latin typeface="+mn-lt"/>
+          <a:ea typeface="+mn-ea"/>
+          <a:cs typeface="+mn-cs"/>
+        </a:defRPr>
+      </a:lvl6pPr>
+      <a:lvl7pPr marL="2743200" algn="l" defTabSz="914400" rtl="0" eaLnBrk="1" latinLnBrk="0" hangingPunct="1">
+        <a:defRPr sz="1800" kern="1200">
+          <a:solidFill>
+            <a:schemeClr val="tx1"/>
+          </a:solidFill>
+          <a:latin typeface="+mn-lt"/>
+          <a:ea typeface="+mn-ea"/>
+          <a:cs typeface="+mn-cs"/>
+        </a:defRPr>
+      </a:lvl7pPr>
+      <a:lvl8pPr marL="3200400" algn="l" defTabSz="914400" rtl="0" eaLnBrk="1" latinLnBrk="0" hangingPunct="1">
+        <a:defRPr sz="1800" kern="1200">
+          <a:solidFill>
+            <a:schemeClr val="tx1"/>
+          </a:solidFill>
+          <a:latin typeface="+mn-lt"/>
+          <a:ea typeface="+mn-ea"/>
+          <a:cs typeface="+mn-cs"/>
+        </a:defRPr>
+      </a:lvl8pPr>
+      <a:lvl9pPr marL="3657600" algn="l" defTabSz="914400" rtl="0" eaLnBrk="1" latinLnBrk="0" hangingPunct="1">
+        <a:defRPr sz="1800" kern="1200">
+          <a:solidFill>
+            <a:schemeClr val="tx1"/>
+          </a:solidFill>
+          <a:latin typeface="+mn-lt"/>
+          <a:ea typeface="+mn-ea"/>
+          <a:cs typeface="+mn-cs"/>
+        </a:defRPr>
+      </a:lvl9pPr>
+    </p:otherStyle>
+  </p:txStyles>
 </p:sldMaster>
 </file>
 
 <file path=ppt/slides/slide1.xml><?xml version="1.0" encoding="utf-8"?>
-<p:sld xmlns:a="http://schemas.openxmlformats.org/drawingml/2006/main" xmlns:p="http://schemas.openxmlformats.org/presentationml/2006/main" xmlns:r="http://schemas.openxmlformats.org/officeDocument/2006/relationships" xmlns:p14="http://schemas.microsoft.com/office/powerpoint/2010/main" xmlns:p15="http://schemas.microsoft.com/office/powerpoint/2012/main" xmlns:mc="http://schemas.openxmlformats.org/markup-compatibility/2006">
+<p:sld xmlns:a="http://schemas.openxmlformats.org/drawingml/2006/main" xmlns:r="http://schemas.openxmlformats.org/officeDocument/2006/relationships" xmlns:p="http://schemas.openxmlformats.org/presentationml/2006/main">
   <p:cSld>
     <p:spTree>
       <p:nvGrpSpPr>
@@ -1674,8 +2175,8 @@
         </p:nvSpPr>
         <p:spPr>
           <a:xfrm>
-            <a:off x="182880" y="2200680"/>
-            <a:ext cx="11521440" cy="1620360"/>
+            <a:off x="64655" y="2026767"/>
+            <a:ext cx="11924145" cy="2402786"/>
           </a:xfrm>
           <a:prstGeom prst="rect">
             <a:avLst/>
@@ -1688,9 +2189,10 @@
           </a:ln>
         </p:spPr>
         <p:txBody>
-          <a:bodyPr lIns="90000" rIns="90000" tIns="45000" bIns="45000">
+          <a:bodyPr lIns="90000" tIns="45000" rIns="90000" bIns="45000">
             <a:noAutofit/>
           </a:bodyPr>
+          <a:lstStyle/>
           <a:p>
             <a:pPr algn="ctr">
               <a:spcBef>
@@ -1701,57 +2203,54 @@
               </a:spcAft>
             </a:pPr>
             <a:r>
-              <a:rPr b="0" lang="en-US" sz="5400" spc="-1" strike="noStrike">
-                <a:latin typeface="Arial"/>
+              <a:rPr lang="en-US" sz="8000" strike="noStrike" spc="-1">
+                <a:latin typeface="Aptos Display" panose="020B0004020202020204" pitchFamily="34" charset="0"/>
               </a:rPr>
               <a:t>Get Maximum and Minimum Value from Column?</a:t>
             </a:r>
-            <a:endParaRPr b="0" lang="en-US" sz="5400" spc="-1" strike="noStrike">
-              <a:latin typeface="Arial"/>
-            </a:endParaRPr>
           </a:p>
         </p:txBody>
       </p:sp>
       <p:pic>
         <p:nvPicPr>
-          <p:cNvPr id="39" name="Picture 1_0" descr=""/>
-          <p:cNvPicPr/>
-          <p:nvPr/>
-        </p:nvPicPr>
-        <p:blipFill>
-          <a:blip r:embed="rId1"/>
-          <a:srcRect l="4019" t="8076" r="0" b="13926"/>
-          <a:stretch/>
-        </p:blipFill>
-        <p:spPr>
-          <a:xfrm>
-            <a:off x="7713360" y="199800"/>
-            <a:ext cx="2980080" cy="1354680"/>
-          </a:xfrm>
-          <a:prstGeom prst="rect">
-            <a:avLst/>
-          </a:prstGeom>
-          <a:ln>
-            <a:solidFill>
-              <a:srgbClr val="01050b"/>
-            </a:solidFill>
-          </a:ln>
-        </p:spPr>
-      </p:pic>
-      <p:pic>
-        <p:nvPicPr>
-          <p:cNvPr id="40" name="Picture 3_0" descr=""/>
+          <p:cNvPr id="39" name="Picture 1_0"/>
           <p:cNvPicPr/>
           <p:nvPr/>
         </p:nvPicPr>
         <p:blipFill>
           <a:blip r:embed="rId2"/>
-          <a:srcRect l="0" t="22560" r="0" b="20242"/>
+          <a:srcRect l="4019" t="8076" b="13926"/>
           <a:stretch/>
         </p:blipFill>
         <p:spPr>
           <a:xfrm>
-            <a:off x="1613880" y="5121000"/>
+            <a:off x="9413506" y="0"/>
+            <a:ext cx="2778493" cy="1354680"/>
+          </a:xfrm>
+          <a:prstGeom prst="rect">
+            <a:avLst/>
+          </a:prstGeom>
+          <a:ln>
+            <a:solidFill>
+              <a:srgbClr val="01050B"/>
+            </a:solidFill>
+          </a:ln>
+        </p:spPr>
+      </p:pic>
+      <p:pic>
+        <p:nvPicPr>
+          <p:cNvPr id="40" name="Picture 3_0"/>
+          <p:cNvPicPr/>
+          <p:nvPr/>
+        </p:nvPicPr>
+        <p:blipFill>
+          <a:blip r:embed="rId3"/>
+          <a:srcRect t="22560" b="20242"/>
+          <a:stretch/>
+        </p:blipFill>
+        <p:spPr>
+          <a:xfrm>
+            <a:off x="0" y="5288760"/>
             <a:ext cx="2746080" cy="1569240"/>
           </a:xfrm>
           <a:prstGeom prst="rect">
@@ -1759,22 +2258,225 @@
           </a:prstGeom>
           <a:ln w="10080">
             <a:solidFill>
-              <a:srgbClr val="01050b"/>
+              <a:srgbClr val="01050B"/>
             </a:solidFill>
             <a:round/>
           </a:ln>
         </p:spPr>
       </p:pic>
+      <p:pic>
+        <p:nvPicPr>
+          <p:cNvPr id="3" name="Picture 2">
+            <a:extLst>
+              <a:ext uri="{FF2B5EF4-FFF2-40B4-BE49-F238E27FC236}">
+                <a16:creationId xmlns:a16="http://schemas.microsoft.com/office/drawing/2014/main" id="{9026FFCA-9DAC-7CC5-9703-069F83DFA3D8}"/>
+              </a:ext>
+            </a:extLst>
+          </p:cNvPr>
+          <p:cNvPicPr>
+            <a:picLocks noChangeAspect="1"/>
+          </p:cNvPicPr>
+          <p:nvPr/>
+        </p:nvPicPr>
+        <p:blipFill>
+          <a:blip r:embed="rId4"/>
+          <a:stretch>
+            <a:fillRect/>
+          </a:stretch>
+        </p:blipFill>
+        <p:spPr>
+          <a:xfrm>
+            <a:off x="7098082" y="4846118"/>
+            <a:ext cx="2286319" cy="2000529"/>
+          </a:xfrm>
+          <a:prstGeom prst="rect">
+            <a:avLst/>
+          </a:prstGeom>
+        </p:spPr>
+      </p:pic>
+      <p:pic>
+        <p:nvPicPr>
+          <p:cNvPr id="5" name="Picture 4">
+            <a:extLst>
+              <a:ext uri="{FF2B5EF4-FFF2-40B4-BE49-F238E27FC236}">
+                <a16:creationId xmlns:a16="http://schemas.microsoft.com/office/drawing/2014/main" id="{B9BA9100-930F-B7F8-3551-910661F7FE29}"/>
+              </a:ext>
+            </a:extLst>
+          </p:cNvPr>
+          <p:cNvPicPr>
+            <a:picLocks noChangeAspect="1"/>
+          </p:cNvPicPr>
+          <p:nvPr/>
+        </p:nvPicPr>
+        <p:blipFill>
+          <a:blip r:embed="rId5"/>
+          <a:stretch>
+            <a:fillRect/>
+          </a:stretch>
+        </p:blipFill>
+        <p:spPr>
+          <a:xfrm>
+            <a:off x="3687780" y="4464186"/>
+            <a:ext cx="8515859" cy="323246"/>
+          </a:xfrm>
+          <a:prstGeom prst="rect">
+            <a:avLst/>
+          </a:prstGeom>
+        </p:spPr>
+      </p:pic>
+      <p:pic>
+        <p:nvPicPr>
+          <p:cNvPr id="7" name="Picture 6">
+            <a:extLst>
+              <a:ext uri="{FF2B5EF4-FFF2-40B4-BE49-F238E27FC236}">
+                <a16:creationId xmlns:a16="http://schemas.microsoft.com/office/drawing/2014/main" id="{EE927D9C-BFF7-55B9-0138-81D56DA3D019}"/>
+              </a:ext>
+            </a:extLst>
+          </p:cNvPr>
+          <p:cNvPicPr>
+            <a:picLocks noChangeAspect="1"/>
+          </p:cNvPicPr>
+          <p:nvPr/>
+        </p:nvPicPr>
+        <p:blipFill>
+          <a:blip r:embed="rId6"/>
+          <a:srcRect l="1033" t="3139"/>
+          <a:stretch>
+            <a:fillRect/>
+          </a:stretch>
+        </p:blipFill>
+        <p:spPr>
+          <a:xfrm>
+            <a:off x="73152" y="82296"/>
+            <a:ext cx="5807571" cy="1605549"/>
+          </a:xfrm>
+          <a:prstGeom prst="rect">
+            <a:avLst/>
+          </a:prstGeom>
+          <a:ln w="9525">
+            <a:solidFill>
+              <a:schemeClr val="tx1"/>
+            </a:solidFill>
+          </a:ln>
+        </p:spPr>
+      </p:pic>
+      <p:sp>
+        <p:nvSpPr>
+          <p:cNvPr id="8" name="Rectangle 7">
+            <a:extLst>
+              <a:ext uri="{FF2B5EF4-FFF2-40B4-BE49-F238E27FC236}">
+                <a16:creationId xmlns:a16="http://schemas.microsoft.com/office/drawing/2014/main" id="{06682BAE-9BD1-D2A4-A10A-481A1F56144F}"/>
+              </a:ext>
+            </a:extLst>
+          </p:cNvPr>
+          <p:cNvSpPr/>
+          <p:nvPr/>
+        </p:nvSpPr>
+        <p:spPr>
+          <a:xfrm>
+            <a:off x="3728116" y="4457939"/>
+            <a:ext cx="8449056" cy="2395728"/>
+          </a:xfrm>
+          <a:prstGeom prst="rect">
+            <a:avLst/>
+          </a:prstGeom>
+          <a:noFill/>
+          <a:ln w="12700"/>
+        </p:spPr>
+        <p:style>
+          <a:lnRef idx="2">
+            <a:schemeClr val="accent1">
+              <a:shade val="15000"/>
+            </a:schemeClr>
+          </a:lnRef>
+          <a:fillRef idx="1">
+            <a:schemeClr val="accent1"/>
+          </a:fillRef>
+          <a:effectRef idx="0">
+            <a:schemeClr val="accent1"/>
+          </a:effectRef>
+          <a:fontRef idx="minor">
+            <a:schemeClr val="lt1"/>
+          </a:fontRef>
+        </p:style>
+        <p:txBody>
+          <a:bodyPr rtlCol="0" anchor="ctr"/>
+          <a:lstStyle/>
+          <a:p>
+            <a:pPr algn="ctr"/>
+            <a:endParaRPr lang="en-IN"/>
+          </a:p>
+        </p:txBody>
+      </p:sp>
+      <p:sp>
+        <p:nvSpPr>
+          <p:cNvPr id="9" name="TextBox 8">
+            <a:extLst>
+              <a:ext uri="{FF2B5EF4-FFF2-40B4-BE49-F238E27FC236}">
+                <a16:creationId xmlns:a16="http://schemas.microsoft.com/office/drawing/2014/main" id="{B923ABCE-B8AA-C1CE-D31E-6C10EC56EF4B}"/>
+              </a:ext>
+            </a:extLst>
+          </p:cNvPr>
+          <p:cNvSpPr txBox="1"/>
+          <p:nvPr/>
+        </p:nvSpPr>
+        <p:spPr>
+          <a:xfrm>
+            <a:off x="6202837" y="0"/>
+            <a:ext cx="2048959" cy="1938992"/>
+          </a:xfrm>
+          <a:prstGeom prst="rect">
+            <a:avLst/>
+          </a:prstGeom>
+          <a:solidFill>
+            <a:schemeClr val="accent2">
+              <a:lumMod val="40000"/>
+              <a:lumOff val="60000"/>
+            </a:schemeClr>
+          </a:solidFill>
+        </p:spPr>
+        <p:txBody>
+          <a:bodyPr wrap="none" rtlCol="0">
+            <a:spAutoFit/>
+          </a:bodyPr>
+          <a:lstStyle/>
+          <a:p>
+            <a:r>
+              <a:rPr lang="en-IN" sz="2400" dirty="0"/>
+              <a:t>min() &amp; max()</a:t>
+            </a:r>
+          </a:p>
+          <a:p>
+            <a:r>
+              <a:rPr lang="en-IN" sz="2400" dirty="0"/>
+              <a:t>agg()</a:t>
+            </a:r>
+          </a:p>
+          <a:p>
+            <a:r>
+              <a:rPr lang="en-IN" sz="2400" dirty="0"/>
+              <a:t>groupBy()</a:t>
+            </a:r>
+          </a:p>
+          <a:p>
+            <a:r>
+              <a:rPr lang="en-IN" sz="2400" dirty="0"/>
+              <a:t>describe()</a:t>
+            </a:r>
+          </a:p>
+          <a:p>
+            <a:r>
+              <a:rPr lang="en-IN" sz="2400" dirty="0"/>
+              <a:t>collect()</a:t>
+            </a:r>
+          </a:p>
+        </p:txBody>
+      </p:sp>
     </p:spTree>
   </p:cSld>
-  <mc:AlternateContent>
-    <mc:Choice Requires="p14">
-      <p:transition spd="slow" p14:dur="2000"/>
-    </mc:Choice>
-    <mc:Fallback>
-      <p:transition spd="slow"/>
-    </mc:Fallback>
-  </mc:AlternateContent>
+  <p:clrMapOvr>
+    <a:masterClrMapping/>
+  </p:clrMapOvr>
 </p:sld>
 </file>
 
@@ -1789,34 +2491,34 @@
         <a:sysClr val="window" lastClr="FFFFFF"/>
       </a:lt1>
       <a:dk2>
-        <a:srgbClr val="2c3c43"/>
+        <a:srgbClr val="2C3C43"/>
       </a:dk2>
       <a:lt2>
-        <a:srgbClr val="ebebeb"/>
+        <a:srgbClr val="EBEBEB"/>
       </a:lt2>
       <a:accent1>
-        <a:srgbClr val="90c226"/>
+        <a:srgbClr val="90C226"/>
       </a:accent1>
       <a:accent2>
-        <a:srgbClr val="54a021"/>
+        <a:srgbClr val="54A021"/>
       </a:accent2>
       <a:accent3>
-        <a:srgbClr val="e6b91e"/>
+        <a:srgbClr val="E6B91E"/>
       </a:accent3>
       <a:accent4>
-        <a:srgbClr val="e76618"/>
+        <a:srgbClr val="E76618"/>
       </a:accent4>
       <a:accent5>
-        <a:srgbClr val="c42f1a"/>
+        <a:srgbClr val="C42F1A"/>
       </a:accent5>
       <a:accent6>
         <a:srgbClr val="918655"/>
       </a:accent6>
       <a:hlink>
-        <a:srgbClr val="99ca3c"/>
+        <a:srgbClr val="99CA3C"/>
       </a:hlink>
       <a:folHlink>
-        <a:srgbClr val="b9d181"/>
+        <a:srgbClr val="B9D181"/>
       </a:folHlink>
     </a:clrScheme>
     <a:fontScheme name="Office">
@@ -2001,6 +2703,8 @@
       </a:bgFillStyleLst>
     </a:fmtScheme>
   </a:themeElements>
+  <a:objectDefaults/>
+  <a:extraClrSchemeLst/>
 </a:theme>
 </file>
 

--- a/PySpark/6_window functions/2_GroupBy and Aggregation/120_Get Maximum and Maximum Value From Column/template.pptx
+++ b/PySpark/6_window functions/2_GroupBy and Aggregation/120_Get Maximum and Maximum Value From Column/template.pptx
@@ -104,13 +104,18 @@
       </a:defRPr>
     </a:lvl9pPr>
   </p:defaultTextStyle>
+  <p:extLst>
+    <p:ext uri="{EFAFB233-063F-42B5-8137-9DF3F51BA10A}">
+      <p15:sldGuideLst xmlns:p15="http://schemas.microsoft.com/office/powerpoint/2012/main"/>
+    </p:ext>
+  </p:extLst>
 </p:presentation>
 </file>
 
 <file path=ppt/revisionInfo.xml><?xml version="1.0" encoding="utf-8"?>
 <p1510:revInfo xmlns:a="http://schemas.openxmlformats.org/drawingml/2006/main" xmlns:r="http://schemas.openxmlformats.org/officeDocument/2006/relationships" xmlns:p1510="http://schemas.microsoft.com/office/powerpoint/2015/10/main">
   <p1510:revLst>
-    <p1510:client id="{FD2DF002-48A2-4D4D-8608-1EA19A28020D}" v="3" dt="2025-08-30T07:19:37.247"/>
+    <p1510:client id="{FD2DF002-48A2-4D4D-8608-1EA19A28020D}" v="4" dt="2025-08-30T07:29:29.700"/>
   </p1510:revLst>
 </p1510:revInfo>
 </file>
@@ -120,16 +125,24 @@
   <pc:docChgLst>
     <pc:chgData name="A Suresh" userId="04a47b5c-286d-4451-a903-e2334e9230bd" providerId="ADAL" clId="{FD2DF002-48A2-4D4D-8608-1EA19A28020D}"/>
     <pc:docChg chg="custSel modSld">
-      <pc:chgData name="A Suresh" userId="04a47b5c-286d-4451-a903-e2334e9230bd" providerId="ADAL" clId="{FD2DF002-48A2-4D4D-8608-1EA19A28020D}" dt="2025-08-30T07:22:08.413" v="206" actId="6549"/>
+      <pc:chgData name="A Suresh" userId="04a47b5c-286d-4451-a903-e2334e9230bd" providerId="ADAL" clId="{FD2DF002-48A2-4D4D-8608-1EA19A28020D}" dt="2025-08-30T07:33:21.439" v="332" actId="1035"/>
       <pc:docMkLst>
         <pc:docMk/>
       </pc:docMkLst>
       <pc:sldChg chg="addSp modSp mod">
-        <pc:chgData name="A Suresh" userId="04a47b5c-286d-4451-a903-e2334e9230bd" providerId="ADAL" clId="{FD2DF002-48A2-4D4D-8608-1EA19A28020D}" dt="2025-08-30T07:22:08.413" v="206" actId="6549"/>
+        <pc:chgData name="A Suresh" userId="04a47b5c-286d-4451-a903-e2334e9230bd" providerId="ADAL" clId="{FD2DF002-48A2-4D4D-8608-1EA19A28020D}" dt="2025-08-30T07:33:21.439" v="332" actId="1035"/>
         <pc:sldMkLst>
           <pc:docMk/>
           <pc:sldMk cId="0" sldId="256"/>
         </pc:sldMkLst>
+        <pc:spChg chg="add mod">
+          <ac:chgData name="A Suresh" userId="04a47b5c-286d-4451-a903-e2334e9230bd" providerId="ADAL" clId="{FD2DF002-48A2-4D4D-8608-1EA19A28020D}" dt="2025-08-30T07:33:21.439" v="332" actId="1035"/>
+          <ac:spMkLst>
+            <pc:docMk/>
+            <pc:sldMk cId="0" sldId="256"/>
+            <ac:spMk id="2" creationId="{519538D8-C3BD-82B8-A9B7-3AFACBE72672}"/>
+          </ac:spMkLst>
+        </pc:spChg>
         <pc:spChg chg="add mod">
           <ac:chgData name="A Suresh" userId="04a47b5c-286d-4451-a903-e2334e9230bd" providerId="ADAL" clId="{FD2DF002-48A2-4D4D-8608-1EA19A28020D}" dt="2025-08-30T07:21:49.515" v="184" actId="1038"/>
           <ac:spMkLst>
@@ -139,7 +152,7 @@
           </ac:spMkLst>
         </pc:spChg>
         <pc:spChg chg="add mod">
-          <ac:chgData name="A Suresh" userId="04a47b5c-286d-4451-a903-e2334e9230bd" providerId="ADAL" clId="{FD2DF002-48A2-4D4D-8608-1EA19A28020D}" dt="2025-08-30T07:22:08.413" v="206" actId="6549"/>
+          <ac:chgData name="A Suresh" userId="04a47b5c-286d-4451-a903-e2334e9230bd" providerId="ADAL" clId="{FD2DF002-48A2-4D4D-8608-1EA19A28020D}" dt="2025-08-30T07:33:00.129" v="302" actId="1035"/>
           <ac:spMkLst>
             <pc:docMk/>
             <pc:sldMk cId="0" sldId="256"/>
@@ -147,7 +160,7 @@
           </ac:spMkLst>
         </pc:spChg>
         <pc:spChg chg="mod">
-          <ac:chgData name="A Suresh" userId="04a47b5c-286d-4451-a903-e2334e9230bd" providerId="ADAL" clId="{FD2DF002-48A2-4D4D-8608-1EA19A28020D}" dt="2025-08-30T07:21:56.973" v="202" actId="1036"/>
+          <ac:chgData name="A Suresh" userId="04a47b5c-286d-4451-a903-e2334e9230bd" providerId="ADAL" clId="{FD2DF002-48A2-4D4D-8608-1EA19A28020D}" dt="2025-08-30T07:32:52.967" v="293" actId="1035"/>
           <ac:spMkLst>
             <pc:docMk/>
             <pc:sldMk cId="0" sldId="256"/>
@@ -2175,7 +2188,7 @@
         </p:nvSpPr>
         <p:spPr>
           <a:xfrm>
-            <a:off x="64655" y="2026767"/>
+            <a:off x="64655" y="1951351"/>
             <a:ext cx="11924145" cy="2402786"/>
           </a:xfrm>
           <a:prstGeom prst="rect">
@@ -2203,7 +2216,7 @@
               </a:spcAft>
             </a:pPr>
             <a:r>
-              <a:rPr lang="en-US" sz="8000" strike="noStrike" spc="-1">
+              <a:rPr lang="en-US" sz="8000" strike="noStrike" spc="-1" dirty="0">
                 <a:latin typeface="Aptos Display" panose="020B0004020202020204" pitchFamily="34" charset="0"/>
               </a:rPr>
               <a:t>Get Maximum and Minimum Value from Column?</a:t>
@@ -2422,7 +2435,7 @@
         </p:nvSpPr>
         <p:spPr>
           <a:xfrm>
-            <a:off x="6202837" y="0"/>
+            <a:off x="7173803" y="0"/>
             <a:ext cx="2048959" cy="1938992"/>
           </a:xfrm>
           <a:prstGeom prst="rect">
@@ -2468,6 +2481,43 @@
             <a:r>
               <a:rPr lang="en-IN" sz="2400" dirty="0"/>
               <a:t>collect()</a:t>
+            </a:r>
+          </a:p>
+        </p:txBody>
+      </p:sp>
+      <p:sp>
+        <p:nvSpPr>
+          <p:cNvPr id="2" name="TextBox 1">
+            <a:extLst>
+              <a:ext uri="{FF2B5EF4-FFF2-40B4-BE49-F238E27FC236}">
+                <a16:creationId xmlns:a16="http://schemas.microsoft.com/office/drawing/2014/main" id="{519538D8-C3BD-82B8-A9B7-3AFACBE72672}"/>
+              </a:ext>
+            </a:extLst>
+          </p:cNvPr>
+          <p:cNvSpPr txBox="1"/>
+          <p:nvPr/>
+        </p:nvSpPr>
+        <p:spPr>
+          <a:xfrm>
+            <a:off x="2900596" y="1244020"/>
+            <a:ext cx="3954929" cy="646331"/>
+          </a:xfrm>
+          <a:prstGeom prst="rect">
+            <a:avLst/>
+          </a:prstGeom>
+          <a:solidFill>
+            <a:srgbClr val="00B0F0"/>
+          </a:solidFill>
+        </p:spPr>
+        <p:txBody>
+          <a:bodyPr wrap="none" rtlCol="0">
+            <a:spAutoFit/>
+          </a:bodyPr>
+          <a:lstStyle/>
+          <a:p>
+            <a:r>
+              <a:rPr lang="en-IN" sz="3600" dirty="0"/>
+              <a:t>Window Functions</a:t>
             </a:r>
           </a:p>
         </p:txBody>
